--- a/trunk/ppt/6-18/Yuankui Wang Presentation 18 06.pptx
+++ b/trunk/ppt/6-18/Yuankui Wang Presentation 18 06.pptx
@@ -5,10 +5,10 @@
     <p:sldMasterId id="2147483651" r:id="rId1"/>
   </p:sldMasterIdLst>
   <p:notesMasterIdLst>
-    <p:notesMasterId r:id="rId21"/>
+    <p:notesMasterId r:id="rId22"/>
   </p:notesMasterIdLst>
   <p:handoutMasterIdLst>
-    <p:handoutMasterId r:id="rId22"/>
+    <p:handoutMasterId r:id="rId23"/>
   </p:handoutMasterIdLst>
   <p:sldIdLst>
     <p:sldId id="256" r:id="rId2"/>
@@ -24,12 +24,13 @@
     <p:sldId id="304" r:id="rId12"/>
     <p:sldId id="294" r:id="rId13"/>
     <p:sldId id="305" r:id="rId14"/>
-    <p:sldId id="306" r:id="rId15"/>
-    <p:sldId id="281" r:id="rId16"/>
-    <p:sldId id="274" r:id="rId17"/>
-    <p:sldId id="282" r:id="rId18"/>
-    <p:sldId id="292" r:id="rId19"/>
-    <p:sldId id="293" r:id="rId20"/>
+    <p:sldId id="307" r:id="rId15"/>
+    <p:sldId id="306" r:id="rId16"/>
+    <p:sldId id="281" r:id="rId17"/>
+    <p:sldId id="274" r:id="rId18"/>
+    <p:sldId id="282" r:id="rId19"/>
+    <p:sldId id="292" r:id="rId20"/>
+    <p:sldId id="293" r:id="rId21"/>
   </p:sldIdLst>
   <p:sldSz cx="9144000" cy="6858000" type="screen4x3"/>
   <p:notesSz cx="6743700" cy="9906000"/>
@@ -382,7 +383,7 @@
     </p:spTree>
     <p:extLst>
       <p:ext uri="{BB962C8B-B14F-4D97-AF65-F5344CB8AC3E}">
-        <p14:creationId xmlns="" xmlns:p14="http://schemas.microsoft.com/office/powerpoint/2010/main" val="3154177043"/>
+        <p14:creationId xmlns:p14="http://schemas.microsoft.com/office/powerpoint/2010/main" xmlns="" val="3154177043"/>
       </p:ext>
     </p:extLst>
   </p:cSld>
@@ -711,7 +712,7 @@
     </p:spTree>
     <p:extLst>
       <p:ext uri="{BB962C8B-B14F-4D97-AF65-F5344CB8AC3E}">
-        <p14:creationId xmlns="" xmlns:p14="http://schemas.microsoft.com/office/powerpoint/2010/main" val="1086099381"/>
+        <p14:creationId xmlns:p14="http://schemas.microsoft.com/office/powerpoint/2010/main" xmlns="" val="1086099381"/>
       </p:ext>
     </p:extLst>
   </p:cSld>
@@ -3281,7 +3282,7 @@
           <a:blip r:embed="rId2" cstate="print">
             <a:extLst>
               <a:ext uri="{28A0092B-C50C-407E-A947-70E740481C1C}">
-                <a14:useLocalDpi xmlns="" xmlns:a14="http://schemas.microsoft.com/office/drawing/2010/main" val="0"/>
+                <a14:useLocalDpi xmlns:a14="http://schemas.microsoft.com/office/drawing/2010/main" xmlns="" val="0"/>
               </a:ext>
             </a:extLst>
           </a:blip>
@@ -3305,14 +3306,14 @@
           <a:effectLst/>
           <a:extLst>
             <a:ext uri="{909E8E84-426E-40DD-AFC4-6F175D3DCCD1}">
-              <a14:hiddenFill xmlns="" xmlns:a14="http://schemas.microsoft.com/office/drawing/2010/main">
+              <a14:hiddenFill xmlns:a14="http://schemas.microsoft.com/office/drawing/2010/main" xmlns="">
                 <a:solidFill>
                   <a:schemeClr val="accent1"/>
                 </a:solidFill>
               </a14:hiddenFill>
             </a:ext>
             <a:ext uri="{91240B29-F687-4F45-9708-019B960494DF}">
-              <a14:hiddenLine xmlns="" xmlns:a14="http://schemas.microsoft.com/office/drawing/2010/main" w="9525">
+              <a14:hiddenLine xmlns:a14="http://schemas.microsoft.com/office/drawing/2010/main" xmlns="" w="9525">
                 <a:solidFill>
                   <a:schemeClr val="tx1"/>
                 </a:solidFill>
@@ -3322,7 +3323,7 @@
               </a14:hiddenLine>
             </a:ext>
             <a:ext uri="{AF507438-7753-43E0-B8FC-AC1667EBCBE1}">
-              <a14:hiddenEffects xmlns="" xmlns:a14="http://schemas.microsoft.com/office/drawing/2010/main">
+              <a14:hiddenEffects xmlns:a14="http://schemas.microsoft.com/office/drawing/2010/main" xmlns="">
                 <a:effectLst>
                   <a:outerShdw dist="35921" dir="2700000" algn="ctr" rotWithShape="0">
                     <a:schemeClr val="bg2"/>
@@ -3336,7 +3337,7 @@
     </p:spTree>
     <p:extLst>
       <p:ext uri="{BB962C8B-B14F-4D97-AF65-F5344CB8AC3E}">
-        <p14:creationId xmlns="" xmlns:p14="http://schemas.microsoft.com/office/powerpoint/2010/main" val="1907538874"/>
+        <p14:creationId xmlns:p14="http://schemas.microsoft.com/office/powerpoint/2010/main" xmlns="" val="1907538874"/>
       </p:ext>
     </p:extLst>
   </p:cSld>
@@ -3480,7 +3481,7 @@
           <a:blip r:embed="rId2" cstate="print">
             <a:extLst>
               <a:ext uri="{28A0092B-C50C-407E-A947-70E740481C1C}">
-                <a14:useLocalDpi xmlns="" xmlns:a14="http://schemas.microsoft.com/office/drawing/2010/main" val="0"/>
+                <a14:useLocalDpi xmlns:a14="http://schemas.microsoft.com/office/drawing/2010/main" xmlns="" val="0"/>
               </a:ext>
             </a:extLst>
           </a:blip>
@@ -3504,14 +3505,14 @@
           <a:effectLst/>
           <a:extLst>
             <a:ext uri="{909E8E84-426E-40DD-AFC4-6F175D3DCCD1}">
-              <a14:hiddenFill xmlns="" xmlns:a14="http://schemas.microsoft.com/office/drawing/2010/main">
+              <a14:hiddenFill xmlns:a14="http://schemas.microsoft.com/office/drawing/2010/main" xmlns="">
                 <a:solidFill>
                   <a:schemeClr val="accent1"/>
                 </a:solidFill>
               </a14:hiddenFill>
             </a:ext>
             <a:ext uri="{91240B29-F687-4F45-9708-019B960494DF}">
-              <a14:hiddenLine xmlns="" xmlns:a14="http://schemas.microsoft.com/office/drawing/2010/main" w="9525">
+              <a14:hiddenLine xmlns:a14="http://schemas.microsoft.com/office/drawing/2010/main" xmlns="" w="9525">
                 <a:solidFill>
                   <a:schemeClr val="tx1"/>
                 </a:solidFill>
@@ -3521,7 +3522,7 @@
               </a14:hiddenLine>
             </a:ext>
             <a:ext uri="{AF507438-7753-43E0-B8FC-AC1667EBCBE1}">
-              <a14:hiddenEffects xmlns="" xmlns:a14="http://schemas.microsoft.com/office/drawing/2010/main">
+              <a14:hiddenEffects xmlns:a14="http://schemas.microsoft.com/office/drawing/2010/main" xmlns="">
                 <a:effectLst>
                   <a:outerShdw dist="35921" dir="2700000" algn="ctr" rotWithShape="0">
                     <a:schemeClr val="bg2"/>
@@ -3535,7 +3536,7 @@
     </p:spTree>
     <p:extLst>
       <p:ext uri="{BB962C8B-B14F-4D97-AF65-F5344CB8AC3E}">
-        <p14:creationId xmlns="" xmlns:p14="http://schemas.microsoft.com/office/powerpoint/2010/main" val="2764248952"/>
+        <p14:creationId xmlns:p14="http://schemas.microsoft.com/office/powerpoint/2010/main" xmlns="" val="2764248952"/>
       </p:ext>
     </p:extLst>
   </p:cSld>
@@ -3608,80 +3609,28 @@
           <a:lstStyle/>
           <a:p>
             <a:r>
-              <a:rPr lang="en-US" altLang="zh-CN" dirty="0" smtClean="0"/>
-              <a:t>Develop </a:t>
-            </a:r>
-            <a:r>
-              <a:rPr lang="en-US" altLang="zh-CN" dirty="0" smtClean="0"/>
-              <a:t>OPC UA standard satisfying communication stack on UICC smart card as Java Card Applet</a:t>
-            </a:r>
-          </a:p>
-          <a:p>
-            <a:pPr lvl="1"/>
-            <a:r>
-              <a:rPr lang="en-US" altLang="zh-CN" dirty="0" smtClean="0"/>
-              <a:t>Extends APIs from </a:t>
-            </a:r>
-            <a:r>
-              <a:rPr lang="en-US" altLang="zh-CN" dirty="0" err="1" smtClean="0"/>
-              <a:t>GlobalPlatform</a:t>
-            </a:r>
-            <a:r>
-              <a:rPr lang="en-US" altLang="zh-CN" dirty="0" smtClean="0"/>
-              <a:t> Remote Application Management </a:t>
-            </a:r>
-          </a:p>
-          <a:p>
-            <a:pPr lvl="1"/>
-            <a:r>
-              <a:rPr lang="en-US" altLang="zh-CN" dirty="0" smtClean="0"/>
-              <a:t>Realize </a:t>
-            </a:r>
-            <a:r>
-              <a:rPr lang="en-US" altLang="zh-CN" dirty="0" smtClean="0"/>
-              <a:t>secure communication between client/server application code</a:t>
-            </a:r>
-          </a:p>
-          <a:p>
-            <a:pPr lvl="1"/>
-            <a:r>
-              <a:rPr lang="en-US" altLang="zh-CN" dirty="0" smtClean="0"/>
-              <a:t>User/application authentication</a:t>
-            </a:r>
-          </a:p>
-          <a:p>
-            <a:pPr lvl="1"/>
-            <a:r>
-              <a:rPr lang="en-US" altLang="zh-CN" dirty="0" smtClean="0"/>
-              <a:t>Message integrity and confidentiality check</a:t>
-            </a:r>
-          </a:p>
-          <a:p>
-            <a:pPr lvl="1"/>
-            <a:r>
-              <a:rPr lang="en-US" altLang="zh-CN" dirty="0" smtClean="0"/>
-              <a:t>Rebuild broken channel mechanism </a:t>
-            </a:r>
-          </a:p>
-          <a:p>
-            <a:r>
-              <a:rPr lang="en-US" altLang="zh-CN" dirty="0" smtClean="0"/>
-              <a:t>Design </a:t>
-            </a:r>
-            <a:r>
-              <a:rPr lang="en-US" altLang="zh-CN" dirty="0" smtClean="0"/>
-              <a:t>android app as OPC UA client at the cell phone user side to provide a  user friendly interface</a:t>
-            </a:r>
-          </a:p>
-          <a:p>
-            <a:r>
-              <a:rPr lang="en-US" altLang="zh-CN" dirty="0" smtClean="0"/>
-              <a:t>With </a:t>
-            </a:r>
-            <a:r>
-              <a:rPr lang="en-US" altLang="zh-CN" dirty="0" smtClean="0"/>
-              <a:t>the help of demo code provided by OPC Foundation to simulate OPC UA client/server application code. </a:t>
-            </a:r>
+              <a:rPr lang="en-GB" altLang="zh-CN" dirty="0" smtClean="0"/>
+              <a:t>Apply recently released OPC UA standards to offer an application level secure communication interface</a:t>
+            </a:r>
+          </a:p>
+          <a:p>
+            <a:r>
+              <a:rPr lang="en-GB" altLang="zh-CN" dirty="0" smtClean="0"/>
+              <a:t>Explore secure benefits brought by smart card technologies</a:t>
+            </a:r>
+          </a:p>
+          <a:p>
+            <a:r>
+              <a:rPr lang="en-GB" altLang="zh-CN" dirty="0" smtClean="0"/>
+              <a:t>Combine aforementioned technologies to build a remote control infrastructure to benefit users with mobility and security services </a:t>
+            </a:r>
+          </a:p>
+          <a:p>
+            <a:r>
+              <a:rPr lang="en-GB" altLang="zh-CN" dirty="0" smtClean="0"/>
+              <a:t>Develop an application scenario for the purpose of concept demonstration</a:t>
+            </a:r>
+            <a:endParaRPr lang="en-US" altLang="zh-CN" dirty="0" smtClean="0"/>
           </a:p>
         </p:txBody>
       </p:sp>
@@ -3752,7 +3701,7 @@
               <a:pPr/>
               <a:t>June 16, 2014</a:t>
             </a:fld>
-            <a:endParaRPr lang="en-US"/>
+            <a:endParaRPr lang="en-US" dirty="0"/>
           </a:p>
         </p:txBody>
       </p:sp>
@@ -3828,30 +3777,7 @@
           <a:p>
             <a:r>
               <a:rPr lang="en-US" altLang="zh-CN" dirty="0" smtClean="0"/>
-              <a:t>S</a:t>
-            </a:r>
-            <a:r>
-              <a:rPr lang="en-US" altLang="zh-CN" dirty="0" smtClean="0"/>
-              <a:t>imulate </a:t>
-            </a:r>
-            <a:r>
-              <a:rPr lang="en-US" altLang="zh-CN" dirty="0" smtClean="0"/>
-              <a:t>OTA  server using UTE from </a:t>
-            </a:r>
-            <a:r>
-              <a:rPr lang="en-US" altLang="zh-CN" dirty="0" err="1" smtClean="0"/>
-              <a:t>Morpho</a:t>
-            </a:r>
-            <a:endParaRPr lang="en-US" altLang="zh-CN" dirty="0" smtClean="0"/>
-          </a:p>
-          <a:p>
-            <a:r>
-              <a:rPr lang="en-US" altLang="zh-CN" dirty="0" smtClean="0"/>
-              <a:t>S</a:t>
-            </a:r>
-            <a:r>
-              <a:rPr lang="en-US" altLang="zh-CN" dirty="0" smtClean="0"/>
-              <a:t>ecurity </a:t>
+              <a:t>System security </a:t>
             </a:r>
             <a:r>
               <a:rPr lang="en-US" altLang="zh-CN" dirty="0" smtClean="0"/>
@@ -3880,8 +3806,13 @@
             <a:pPr lvl="1"/>
             <a:r>
               <a:rPr lang="en-US" altLang="zh-CN" dirty="0" smtClean="0"/>
-              <a:t>claim corresponding  countermeasures</a:t>
-            </a:r>
+              <a:t>claim </a:t>
+            </a:r>
+            <a:r>
+              <a:rPr lang="en-US" altLang="zh-CN" dirty="0" smtClean="0"/>
+              <a:t>corresponding countermeasures</a:t>
+            </a:r>
+            <a:endParaRPr lang="en-US" altLang="zh-CN" dirty="0" smtClean="0"/>
           </a:p>
           <a:p>
             <a:pPr lvl="1"/>
@@ -3990,7 +3921,7 @@
     </p:spTree>
     <p:extLst>
       <p:ext uri="{BB962C8B-B14F-4D97-AF65-F5344CB8AC3E}">
-        <p14:creationId xmlns="" xmlns:p14="http://schemas.microsoft.com/office/powerpoint/2010/main" val="801672563"/>
+        <p14:creationId xmlns:p14="http://schemas.microsoft.com/office/powerpoint/2010/main" xmlns="" val="801672563"/>
       </p:ext>
     </p:extLst>
   </p:cSld>
@@ -4064,28 +3995,37 @@
           <a:p>
             <a:r>
               <a:rPr lang="en-US" altLang="zh-CN" dirty="0" smtClean="0"/>
-              <a:t>Universal Test Environment</a:t>
+              <a:t>Develop </a:t>
+            </a:r>
+            <a:r>
+              <a:rPr lang="en-US" altLang="zh-CN" dirty="0" smtClean="0"/>
+              <a:t>OPC UA standard satisfying communication stack on UICC smart card as Java Card Applet</a:t>
             </a:r>
           </a:p>
           <a:p>
             <a:pPr lvl="1"/>
             <a:r>
               <a:rPr lang="en-US" altLang="zh-CN" dirty="0" smtClean="0"/>
-              <a:t>Test case/ scenario </a:t>
-            </a:r>
-          </a:p>
-          <a:p>
+              <a:t>Extends APIs from </a:t>
+            </a:r>
             <a:r>
               <a:rPr lang="en-US" altLang="zh-CN" dirty="0" err="1" smtClean="0"/>
-              <a:t>Jacade</a:t>
+              <a:t>GlobalPlatform</a:t>
             </a:r>
             <a:r>
               <a:rPr lang="en-US" altLang="zh-CN" dirty="0" smtClean="0"/>
-              <a:t> =  Java Card Applet development </a:t>
-            </a:r>
-            <a:r>
-              <a:rPr lang="en-US" altLang="zh-CN" dirty="0" err="1" smtClean="0"/>
-              <a:t>enviornment</a:t>
+              <a:t> Remote Application Management </a:t>
+            </a:r>
+          </a:p>
+          <a:p>
+            <a:pPr lvl="1"/>
+            <a:r>
+              <a:rPr lang="en-US" altLang="zh-CN" dirty="0" smtClean="0"/>
+              <a:t>Realize secure communication between </a:t>
+            </a:r>
+            <a:r>
+              <a:rPr lang="en-US" altLang="zh-CN" dirty="0" smtClean="0"/>
+              <a:t>client/server</a:t>
             </a:r>
             <a:endParaRPr lang="en-US" altLang="zh-CN" dirty="0" smtClean="0"/>
           </a:p>
@@ -4093,78 +4033,46 @@
             <a:pPr lvl="1"/>
             <a:r>
               <a:rPr lang="en-US" altLang="zh-CN" dirty="0" smtClean="0"/>
-              <a:t>Applet creation and debugging tools</a:t>
+              <a:t>User/application authentication</a:t>
             </a:r>
           </a:p>
           <a:p>
             <a:pPr lvl="1"/>
             <a:r>
               <a:rPr lang="en-US" altLang="zh-CN" dirty="0" smtClean="0"/>
-              <a:t>Large collections of functions and software models</a:t>
-            </a:r>
-          </a:p>
-          <a:p>
-            <a:r>
-              <a:rPr lang="en-US" altLang="zh-CN" dirty="0" err="1" smtClean="0"/>
-              <a:t>Jvc</a:t>
-            </a:r>
+              <a:t>Message integrity and confidentiality check</a:t>
+            </a:r>
+          </a:p>
+          <a:p>
+            <a:pPr lvl="1"/>
             <a:r>
               <a:rPr lang="en-US" altLang="zh-CN" dirty="0" smtClean="0"/>
-              <a:t> = Java virtual card</a:t>
-            </a:r>
-          </a:p>
-          <a:p>
-            <a:r>
-              <a:rPr lang="en-US" altLang="zh-CN" dirty="0" err="1" smtClean="0"/>
-              <a:t>ICardreader</a:t>
+              <a:t>Rebuild broken channel mechanism </a:t>
+            </a:r>
+          </a:p>
+          <a:p>
+            <a:r>
+              <a:rPr lang="en-US" altLang="zh-CN" dirty="0" smtClean="0"/>
+              <a:t>Design android app as OPC UA client at the cell phone user side to provide a  user friendly interface</a:t>
+            </a:r>
+          </a:p>
+          <a:p>
+            <a:r>
+              <a:rPr lang="en-US" altLang="zh-CN" dirty="0" smtClean="0"/>
+              <a:t>With the help of demo code provided by OPC Foundation to simulate OPC UA client/server application code. </a:t>
             </a:r>
             <a:endParaRPr lang="en-US" altLang="zh-CN" dirty="0" smtClean="0"/>
           </a:p>
           <a:p>
-            <a:pPr lvl="1"/>
-            <a:r>
-              <a:rPr lang="en-US" altLang="zh-CN" dirty="0" smtClean="0"/>
-              <a:t>Monitor APDU communication </a:t>
-            </a:r>
-          </a:p>
-          <a:p>
-            <a:pPr marL="457200" lvl="1" indent="0">
-              <a:buNone/>
-            </a:pPr>
-            <a:r>
-              <a:rPr lang="en-US" altLang="zh-CN" dirty="0"/>
-              <a:t> </a:t>
-            </a:r>
-            <a:r>
-              <a:rPr lang="en-US" altLang="zh-CN" dirty="0" smtClean="0"/>
-              <a:t>             between card and terminal</a:t>
-            </a:r>
-          </a:p>
-          <a:p>
-            <a:r>
-              <a:rPr lang="en-US" altLang="zh-CN" dirty="0" smtClean="0"/>
-              <a:t>MCR card reader</a:t>
-            </a:r>
-            <a:endParaRPr lang="en-US" altLang="zh-CN" dirty="0"/>
-          </a:p>
-          <a:p>
-            <a:pPr lvl="1"/>
-            <a:r>
-              <a:rPr lang="en-US" altLang="zh-CN" dirty="0" smtClean="0"/>
-              <a:t>Connected chip card with PC</a:t>
-            </a:r>
-          </a:p>
-          <a:p>
-            <a:pPr marL="457200" lvl="1" indent="0">
-              <a:buNone/>
-            </a:pPr>
-            <a:endParaRPr lang="en-US" altLang="zh-CN" dirty="0"/>
-          </a:p>
-          <a:p>
-            <a:pPr marL="457200" lvl="1" indent="0">
-              <a:buNone/>
-            </a:pPr>
-            <a:endParaRPr lang="en-US" altLang="zh-CN" dirty="0"/>
+            <a:r>
+              <a:rPr lang="en-GB" altLang="zh-CN" dirty="0" smtClean="0"/>
+              <a:t>Simulate OTA server using UTE from </a:t>
+            </a:r>
+            <a:r>
+              <a:rPr lang="en-GB" altLang="zh-CN" dirty="0" err="1" smtClean="0"/>
+              <a:t>Morpho</a:t>
+            </a:r>
+            <a:endParaRPr lang="en-US" altLang="zh-CN" dirty="0" smtClean="0"/>
           </a:p>
         </p:txBody>
       </p:sp>
@@ -4188,7 +4096,7 @@
               <a:pPr/>
               <a:t>14</a:t>
             </a:fld>
-            <a:endParaRPr lang="en-US" dirty="0"/>
+            <a:endParaRPr lang="en-US"/>
           </a:p>
         </p:txBody>
       </p:sp>
@@ -4208,16 +4116,8 @@
           <a:lstStyle/>
           <a:p>
             <a:r>
-              <a:rPr lang="en-US" altLang="zh-CN" dirty="0" smtClean="0"/>
-              <a:t>OPC UA on Secure Device </a:t>
-            </a:r>
-            <a:r>
-              <a:rPr lang="en-US" altLang="zh-CN" dirty="0" err="1" smtClean="0"/>
-              <a:t>Yuankui</a:t>
-            </a:r>
-            <a:r>
-              <a:rPr lang="en-US" altLang="zh-CN" dirty="0" smtClean="0"/>
-              <a:t> Wang</a:t>
+              <a:rPr lang="en-US" altLang="zh-CN" smtClean="0"/>
+              <a:t>OPC UA on Secure Device Yuankui Wang</a:t>
             </a:r>
             <a:endParaRPr lang="en-US" altLang="zh-CN" dirty="0"/>
           </a:p>
@@ -4247,76 +4147,7 @@
           </a:p>
         </p:txBody>
       </p:sp>
-      <p:pic>
-        <p:nvPicPr>
-          <p:cNvPr id="1026" name="Picture 2"/>
-          <p:cNvPicPr>
-            <a:picLocks noChangeAspect="1" noChangeArrowheads="1"/>
-          </p:cNvPicPr>
-          <p:nvPr/>
-        </p:nvPicPr>
-        <p:blipFill>
-          <a:blip r:embed="rId2" cstate="print">
-            <a:extLst>
-              <a:ext uri="{28A0092B-C50C-407E-A947-70E740481C1C}">
-                <a14:useLocalDpi xmlns="" xmlns:a14="http://schemas.microsoft.com/office/drawing/2010/main" val="0"/>
-              </a:ext>
-            </a:extLst>
-          </a:blip>
-          <a:srcRect/>
-          <a:stretch>
-            <a:fillRect/>
-          </a:stretch>
-        </p:blipFill>
-        <p:spPr bwMode="auto">
-          <a:xfrm>
-            <a:off x="5721144" y="4265885"/>
-            <a:ext cx="3183370" cy="2377803"/>
-          </a:xfrm>
-          <a:prstGeom prst="rect">
-            <a:avLst/>
-          </a:prstGeom>
-          <a:noFill/>
-          <a:ln>
-            <a:noFill/>
-          </a:ln>
-          <a:effectLst/>
-          <a:extLst>
-            <a:ext uri="{909E8E84-426E-40DD-AFC4-6F175D3DCCD1}">
-              <a14:hiddenFill xmlns="" xmlns:a14="http://schemas.microsoft.com/office/drawing/2010/main">
-                <a:solidFill>
-                  <a:schemeClr val="accent1"/>
-                </a:solidFill>
-              </a14:hiddenFill>
-            </a:ext>
-            <a:ext uri="{91240B29-F687-4F45-9708-019B960494DF}">
-              <a14:hiddenLine xmlns="" xmlns:a14="http://schemas.microsoft.com/office/drawing/2010/main" w="9525">
-                <a:solidFill>
-                  <a:schemeClr val="tx1"/>
-                </a:solidFill>
-                <a:miter lim="800000"/>
-                <a:headEnd/>
-                <a:tailEnd/>
-              </a14:hiddenLine>
-            </a:ext>
-            <a:ext uri="{AF507438-7753-43E0-B8FC-AC1667EBCBE1}">
-              <a14:hiddenEffects xmlns="" xmlns:a14="http://schemas.microsoft.com/office/drawing/2010/main">
-                <a:effectLst>
-                  <a:outerShdw dist="35921" dir="2700000" algn="ctr" rotWithShape="0">
-                    <a:schemeClr val="bg2"/>
-                  </a:outerShdw>
-                </a:effectLst>
-              </a14:hiddenEffects>
-            </a:ext>
-          </a:extLst>
-        </p:spPr>
-      </p:pic>
     </p:spTree>
-    <p:extLst>
-      <p:ext uri="{BB962C8B-B14F-4D97-AF65-F5344CB8AC3E}">
-        <p14:creationId xmlns="" xmlns:p14="http://schemas.microsoft.com/office/powerpoint/2010/main" val="393107339"/>
-      </p:ext>
-    </p:extLst>
   </p:cSld>
   <p:clrMapOvr>
     <a:masterClrMapping/>
@@ -4364,170 +4195,135 @@
           <a:lstStyle/>
           <a:p>
             <a:r>
+              <a:rPr lang="en-US" altLang="zh-CN" dirty="0" smtClean="0"/>
+              <a:t>Implementation </a:t>
+            </a:r>
+            <a:r>
+              <a:rPr lang="en-US" altLang="zh-CN" dirty="0" smtClean="0"/>
+              <a:t>Tools</a:t>
+            </a:r>
+            <a:endParaRPr lang="zh-CN" altLang="en-US" dirty="0"/>
+          </a:p>
+        </p:txBody>
+      </p:sp>
+      <p:sp>
+        <p:nvSpPr>
+          <p:cNvPr id="3" name="内容占位符 2"/>
+          <p:cNvSpPr>
+            <a:spLocks noGrp="1"/>
+          </p:cNvSpPr>
+          <p:nvPr>
+            <p:ph idx="1"/>
+          </p:nvPr>
+        </p:nvSpPr>
+        <p:spPr/>
+        <p:txBody>
+          <a:bodyPr/>
+          <a:lstStyle/>
+          <a:p>
+            <a:r>
+              <a:rPr lang="en-US" altLang="zh-CN" dirty="0" smtClean="0"/>
+              <a:t>Universal Test Environment</a:t>
+            </a:r>
+          </a:p>
+          <a:p>
+            <a:pPr lvl="1"/>
+            <a:r>
+              <a:rPr lang="en-US" altLang="zh-CN" dirty="0" smtClean="0"/>
+              <a:t>Test case/ scenario </a:t>
+            </a:r>
+          </a:p>
+          <a:p>
+            <a:r>
               <a:rPr lang="en-US" altLang="zh-CN" dirty="0" err="1" smtClean="0"/>
-              <a:t>Rerferences</a:t>
-            </a:r>
-            <a:endParaRPr lang="zh-CN" altLang="en-US" dirty="0"/>
-          </a:p>
-        </p:txBody>
-      </p:sp>
-      <p:sp>
-        <p:nvSpPr>
-          <p:cNvPr id="3" name="内容占位符 2"/>
-          <p:cNvSpPr>
-            <a:spLocks noGrp="1"/>
-          </p:cNvSpPr>
-          <p:nvPr>
-            <p:ph idx="1"/>
-          </p:nvPr>
-        </p:nvSpPr>
-        <p:spPr/>
-        <p:txBody>
-          <a:bodyPr/>
-          <a:lstStyle/>
-          <a:p>
+              <a:t>Jacade</a:t>
+            </a:r>
             <a:r>
               <a:rPr lang="en-US" altLang="zh-CN" dirty="0" smtClean="0"/>
-              <a:t>[1] GSMA: The Mobile Economy 2013</a:t>
-            </a:r>
-          </a:p>
-          <a:p>
+              <a:t> =  Java Card Applet development </a:t>
+            </a:r>
+            <a:r>
+              <a:rPr lang="en-US" altLang="zh-CN" dirty="0" err="1" smtClean="0"/>
+              <a:t>enviornment</a:t>
+            </a:r>
+            <a:endParaRPr lang="en-US" altLang="zh-CN" dirty="0" smtClean="0"/>
+          </a:p>
+          <a:p>
+            <a:pPr lvl="1"/>
             <a:r>
               <a:rPr lang="en-US" altLang="zh-CN" dirty="0" smtClean="0"/>
-              <a:t>[2]Sanjay </a:t>
-            </a:r>
+              <a:t>Applet creation and debugging tools</a:t>
+            </a:r>
+          </a:p>
+          <a:p>
+            <a:pPr lvl="1"/>
+            <a:r>
+              <a:rPr lang="en-US" altLang="zh-CN" dirty="0" smtClean="0"/>
+              <a:t>Large collections of functions and software models</a:t>
+            </a:r>
+          </a:p>
+          <a:p>
             <a:r>
               <a:rPr lang="en-US" altLang="zh-CN" dirty="0" err="1" smtClean="0"/>
-              <a:t>J.Pooen</a:t>
+              <a:t>Jvc</a:t>
             </a:r>
             <a:r>
               <a:rPr lang="en-US" altLang="zh-CN" dirty="0" smtClean="0"/>
-              <a:t>: How Mobility is Changing the World</a:t>
-            </a:r>
-          </a:p>
-          <a:p>
+              <a:t> = Java virtual card</a:t>
+            </a:r>
+          </a:p>
+          <a:p>
+            <a:r>
+              <a:rPr lang="en-US" altLang="zh-CN" dirty="0" err="1" smtClean="0"/>
+              <a:t>ICardreader</a:t>
+            </a:r>
+            <a:endParaRPr lang="en-US" altLang="zh-CN" dirty="0" smtClean="0"/>
+          </a:p>
+          <a:p>
+            <a:pPr lvl="1"/>
             <a:r>
               <a:rPr lang="en-US" altLang="zh-CN" dirty="0" smtClean="0"/>
-              <a:t>[3]OPC UA specification 1-11</a:t>
-            </a:r>
-          </a:p>
-          <a:p>
+              <a:t>Monitor APDU communication </a:t>
+            </a:r>
+          </a:p>
+          <a:p>
+            <a:pPr marL="457200" lvl="1" indent="0">
+              <a:buNone/>
+            </a:pPr>
+            <a:r>
+              <a:rPr lang="en-US" altLang="zh-CN" dirty="0"/>
+              <a:t> </a:t>
+            </a:r>
             <a:r>
               <a:rPr lang="en-US" altLang="zh-CN" dirty="0" smtClean="0"/>
-              <a:t>[4]</a:t>
-            </a:r>
-            <a:r>
-              <a:rPr lang="en-US" altLang="zh-CN" dirty="0" err="1" smtClean="0"/>
-              <a:t>Jahanzaib</a:t>
-            </a:r>
+              <a:t>             between card and terminal</a:t>
+            </a:r>
+          </a:p>
+          <a:p>
             <a:r>
               <a:rPr lang="en-US" altLang="zh-CN" dirty="0" smtClean="0"/>
-              <a:t> </a:t>
-            </a:r>
-            <a:r>
-              <a:rPr lang="en-US" altLang="zh-CN" dirty="0" err="1" smtClean="0"/>
-              <a:t>Imtiaz</a:t>
-            </a:r>
+              <a:t>MCR card reader</a:t>
+            </a:r>
+            <a:endParaRPr lang="en-US" altLang="zh-CN" dirty="0"/>
+          </a:p>
+          <a:p>
+            <a:pPr lvl="1"/>
             <a:r>
               <a:rPr lang="en-US" altLang="zh-CN" dirty="0" smtClean="0"/>
-              <a:t> and </a:t>
-            </a:r>
-            <a:r>
-              <a:rPr lang="en-US" altLang="zh-CN" dirty="0" err="1" smtClean="0"/>
-              <a:t>Juegen</a:t>
-            </a:r>
-            <a:r>
-              <a:rPr lang="en-US" altLang="zh-CN" dirty="0" smtClean="0"/>
-              <a:t> </a:t>
-            </a:r>
-            <a:r>
-              <a:rPr lang="en-US" altLang="zh-CN" dirty="0" err="1" smtClean="0"/>
-              <a:t>Jasperneite</a:t>
-            </a:r>
-            <a:r>
-              <a:rPr lang="en-US" altLang="zh-CN" dirty="0" smtClean="0"/>
-              <a:t>, Scalability of OPC-UA Down to the Chip Level Enables "Internet of Things“</a:t>
-            </a:r>
-          </a:p>
-          <a:p>
-            <a:r>
-              <a:rPr lang="en-US" altLang="zh-CN" dirty="0" smtClean="0"/>
-              <a:t>[5]Stefan-Helmut </a:t>
-            </a:r>
-            <a:r>
-              <a:rPr lang="en-US" altLang="zh-CN" dirty="0" err="1" smtClean="0"/>
-              <a:t>Leitner</a:t>
-            </a:r>
-            <a:r>
-              <a:rPr lang="en-US" altLang="zh-CN" dirty="0" smtClean="0"/>
-              <a:t> and Wolfgang </a:t>
-            </a:r>
-            <a:r>
-              <a:rPr lang="en-US" altLang="zh-CN" dirty="0" err="1" smtClean="0"/>
-              <a:t>Mahnk</a:t>
-            </a:r>
-            <a:r>
-              <a:rPr lang="en-US" altLang="zh-CN" dirty="0" smtClean="0"/>
-              <a:t>: </a:t>
-            </a:r>
-            <a:r>
-              <a:rPr lang="en-US" altLang="zh-CN" dirty="0" err="1" smtClean="0"/>
-              <a:t>Opc</a:t>
-            </a:r>
-            <a:r>
-              <a:rPr lang="en-US" altLang="zh-CN" dirty="0" smtClean="0"/>
-              <a:t> </a:t>
-            </a:r>
-            <a:r>
-              <a:rPr lang="en-US" altLang="zh-CN" dirty="0" err="1" smtClean="0"/>
-              <a:t>ua</a:t>
-            </a:r>
-            <a:r>
-              <a:rPr lang="en-US" altLang="zh-CN" dirty="0" smtClean="0"/>
-              <a:t>-service-oriented architecture for industrial applications</a:t>
-            </a:r>
-          </a:p>
-          <a:p>
-            <a:r>
-              <a:rPr lang="en-US" altLang="zh-CN" dirty="0" smtClean="0"/>
-              <a:t>[6]Wolfgang </a:t>
-            </a:r>
-            <a:r>
-              <a:rPr lang="en-US" altLang="zh-CN" dirty="0" err="1" smtClean="0"/>
-              <a:t>Mahnke</a:t>
-            </a:r>
-            <a:r>
-              <a:rPr lang="en-US" altLang="zh-CN" dirty="0" smtClean="0"/>
-              <a:t>, Stefan-Helmut </a:t>
-            </a:r>
-            <a:r>
-              <a:rPr lang="en-US" altLang="zh-CN" dirty="0" err="1" smtClean="0"/>
-              <a:t>Leitner:OPC</a:t>
-            </a:r>
-            <a:r>
-              <a:rPr lang="en-US" altLang="zh-CN" dirty="0" smtClean="0"/>
-              <a:t> Unified Architecture</a:t>
-            </a:r>
-          </a:p>
-          <a:p>
-            <a:r>
-              <a:rPr lang="de-DE" altLang="zh-CN" dirty="0" smtClean="0"/>
-              <a:t>[7]Wolfgang Rankl und Wolfgang Eng: Handbuch der chipkarten - 5. deutsche </a:t>
-            </a:r>
-            <a:r>
-              <a:rPr lang="en-US" altLang="zh-CN" dirty="0" err="1" smtClean="0"/>
-              <a:t>auflage</a:t>
-            </a:r>
-            <a:r>
-              <a:rPr lang="en-US" altLang="zh-CN" dirty="0" smtClean="0"/>
-              <a:t>. (2008)</a:t>
-            </a:r>
-          </a:p>
-          <a:p>
-            <a:endParaRPr lang="en-US" altLang="zh-CN" dirty="0" smtClean="0"/>
-          </a:p>
-          <a:p>
-            <a:endParaRPr lang="zh-CN" altLang="en-US" dirty="0"/>
+              <a:t>Connected chip card with PC</a:t>
+            </a:r>
+          </a:p>
+          <a:p>
+            <a:pPr marL="457200" lvl="1" indent="0">
+              <a:buNone/>
+            </a:pPr>
+            <a:endParaRPr lang="en-US" altLang="zh-CN" dirty="0"/>
+          </a:p>
+          <a:p>
+            <a:pPr marL="457200" lvl="1" indent="0">
+              <a:buNone/>
+            </a:pPr>
+            <a:endParaRPr lang="en-US" altLang="zh-CN" dirty="0"/>
           </a:p>
         </p:txBody>
       </p:sp>
@@ -4551,7 +4347,7 @@
               <a:pPr/>
               <a:t>15</a:t>
             </a:fld>
-            <a:endParaRPr lang="en-US"/>
+            <a:endParaRPr lang="en-US" dirty="0"/>
           </a:p>
         </p:txBody>
       </p:sp>
@@ -4571,8 +4367,16 @@
           <a:lstStyle/>
           <a:p>
             <a:r>
-              <a:rPr lang="en-US" altLang="zh-CN" smtClean="0"/>
-              <a:t>OPC UA on Secure Device Yuankui Wang</a:t>
+              <a:rPr lang="en-US" altLang="zh-CN" dirty="0" smtClean="0"/>
+              <a:t>OPC UA on Secure Device </a:t>
+            </a:r>
+            <a:r>
+              <a:rPr lang="en-US" altLang="zh-CN" dirty="0" err="1" smtClean="0"/>
+              <a:t>Yuankui</a:t>
+            </a:r>
+            <a:r>
+              <a:rPr lang="en-US" altLang="zh-CN" dirty="0" smtClean="0"/>
+              <a:t> Wang</a:t>
             </a:r>
             <a:endParaRPr lang="en-US" altLang="zh-CN" dirty="0"/>
           </a:p>
@@ -4602,7 +4406,76 @@
           </a:p>
         </p:txBody>
       </p:sp>
+      <p:pic>
+        <p:nvPicPr>
+          <p:cNvPr id="1026" name="Picture 2"/>
+          <p:cNvPicPr>
+            <a:picLocks noChangeAspect="1" noChangeArrowheads="1"/>
+          </p:cNvPicPr>
+          <p:nvPr/>
+        </p:nvPicPr>
+        <p:blipFill>
+          <a:blip r:embed="rId2" cstate="print">
+            <a:extLst>
+              <a:ext uri="{28A0092B-C50C-407E-A947-70E740481C1C}">
+                <a14:useLocalDpi xmlns:a14="http://schemas.microsoft.com/office/drawing/2010/main" xmlns="" val="0"/>
+              </a:ext>
+            </a:extLst>
+          </a:blip>
+          <a:srcRect/>
+          <a:stretch>
+            <a:fillRect/>
+          </a:stretch>
+        </p:blipFill>
+        <p:spPr bwMode="auto">
+          <a:xfrm>
+            <a:off x="5721144" y="4265885"/>
+            <a:ext cx="3183370" cy="2377803"/>
+          </a:xfrm>
+          <a:prstGeom prst="rect">
+            <a:avLst/>
+          </a:prstGeom>
+          <a:noFill/>
+          <a:ln>
+            <a:noFill/>
+          </a:ln>
+          <a:effectLst/>
+          <a:extLst>
+            <a:ext uri="{909E8E84-426E-40DD-AFC4-6F175D3DCCD1}">
+              <a14:hiddenFill xmlns:a14="http://schemas.microsoft.com/office/drawing/2010/main" xmlns="">
+                <a:solidFill>
+                  <a:schemeClr val="accent1"/>
+                </a:solidFill>
+              </a14:hiddenFill>
+            </a:ext>
+            <a:ext uri="{91240B29-F687-4F45-9708-019B960494DF}">
+              <a14:hiddenLine xmlns:a14="http://schemas.microsoft.com/office/drawing/2010/main" xmlns="" w="9525">
+                <a:solidFill>
+                  <a:schemeClr val="tx1"/>
+                </a:solidFill>
+                <a:miter lim="800000"/>
+                <a:headEnd/>
+                <a:tailEnd/>
+              </a14:hiddenLine>
+            </a:ext>
+            <a:ext uri="{AF507438-7753-43E0-B8FC-AC1667EBCBE1}">
+              <a14:hiddenEffects xmlns:a14="http://schemas.microsoft.com/office/drawing/2010/main" xmlns="">
+                <a:effectLst>
+                  <a:outerShdw dist="35921" dir="2700000" algn="ctr" rotWithShape="0">
+                    <a:schemeClr val="bg2"/>
+                  </a:outerShdw>
+                </a:effectLst>
+              </a14:hiddenEffects>
+            </a:ext>
+          </a:extLst>
+        </p:spPr>
+      </p:pic>
     </p:spTree>
+    <p:extLst>
+      <p:ext uri="{BB962C8B-B14F-4D97-AF65-F5344CB8AC3E}">
+        <p14:creationId xmlns:p14="http://schemas.microsoft.com/office/powerpoint/2010/main" xmlns="" val="393107339"/>
+      </p:ext>
+    </p:extLst>
   </p:cSld>
   <p:clrMapOvr>
     <a:masterClrMapping/>
@@ -4636,12 +4509,12 @@
       </p:grpSpPr>
       <p:sp>
         <p:nvSpPr>
-          <p:cNvPr id="8" name="副标题 7"/>
+          <p:cNvPr id="2" name="标题 1"/>
           <p:cNvSpPr>
             <a:spLocks noGrp="1"/>
           </p:cNvSpPr>
           <p:nvPr>
-            <p:ph type="subTitle" idx="1"/>
+            <p:ph type="title"/>
           </p:nvPr>
         </p:nvSpPr>
         <p:spPr/>
@@ -4649,7 +4522,171 @@
           <a:bodyPr/>
           <a:lstStyle/>
           <a:p>
-            <a:endParaRPr lang="zh-CN" altLang="en-US"/>
+            <a:r>
+              <a:rPr lang="en-US" altLang="zh-CN" dirty="0" err="1" smtClean="0"/>
+              <a:t>Rerferences</a:t>
+            </a:r>
+            <a:endParaRPr lang="zh-CN" altLang="en-US" dirty="0"/>
+          </a:p>
+        </p:txBody>
+      </p:sp>
+      <p:sp>
+        <p:nvSpPr>
+          <p:cNvPr id="3" name="内容占位符 2"/>
+          <p:cNvSpPr>
+            <a:spLocks noGrp="1"/>
+          </p:cNvSpPr>
+          <p:nvPr>
+            <p:ph idx="1"/>
+          </p:nvPr>
+        </p:nvSpPr>
+        <p:spPr/>
+        <p:txBody>
+          <a:bodyPr/>
+          <a:lstStyle/>
+          <a:p>
+            <a:r>
+              <a:rPr lang="en-US" altLang="zh-CN" dirty="0" smtClean="0"/>
+              <a:t>[1] GSMA: The Mobile Economy 2013</a:t>
+            </a:r>
+          </a:p>
+          <a:p>
+            <a:r>
+              <a:rPr lang="en-US" altLang="zh-CN" dirty="0" smtClean="0"/>
+              <a:t>[2]Sanjay </a:t>
+            </a:r>
+            <a:r>
+              <a:rPr lang="en-US" altLang="zh-CN" dirty="0" err="1" smtClean="0"/>
+              <a:t>J.Pooen</a:t>
+            </a:r>
+            <a:r>
+              <a:rPr lang="en-US" altLang="zh-CN" dirty="0" smtClean="0"/>
+              <a:t>: How Mobility is Changing the World</a:t>
+            </a:r>
+          </a:p>
+          <a:p>
+            <a:r>
+              <a:rPr lang="en-US" altLang="zh-CN" dirty="0" smtClean="0"/>
+              <a:t>[3]OPC UA specification 1-11</a:t>
+            </a:r>
+          </a:p>
+          <a:p>
+            <a:r>
+              <a:rPr lang="en-US" altLang="zh-CN" dirty="0" smtClean="0"/>
+              <a:t>[4]</a:t>
+            </a:r>
+            <a:r>
+              <a:rPr lang="en-US" altLang="zh-CN" dirty="0" err="1" smtClean="0"/>
+              <a:t>Jahanzaib</a:t>
+            </a:r>
+            <a:r>
+              <a:rPr lang="en-US" altLang="zh-CN" dirty="0" smtClean="0"/>
+              <a:t> </a:t>
+            </a:r>
+            <a:r>
+              <a:rPr lang="en-US" altLang="zh-CN" dirty="0" err="1" smtClean="0"/>
+              <a:t>Imtiaz</a:t>
+            </a:r>
+            <a:r>
+              <a:rPr lang="en-US" altLang="zh-CN" dirty="0" smtClean="0"/>
+              <a:t> and </a:t>
+            </a:r>
+            <a:r>
+              <a:rPr lang="en-US" altLang="zh-CN" dirty="0" err="1" smtClean="0"/>
+              <a:t>Juegen</a:t>
+            </a:r>
+            <a:r>
+              <a:rPr lang="en-US" altLang="zh-CN" dirty="0" smtClean="0"/>
+              <a:t> </a:t>
+            </a:r>
+            <a:r>
+              <a:rPr lang="en-US" altLang="zh-CN" dirty="0" err="1" smtClean="0"/>
+              <a:t>Jasperneite</a:t>
+            </a:r>
+            <a:r>
+              <a:rPr lang="en-US" altLang="zh-CN" dirty="0" smtClean="0"/>
+              <a:t>, Scalability of OPC-UA Down to the Chip Level Enables "Internet of Things“</a:t>
+            </a:r>
+          </a:p>
+          <a:p>
+            <a:r>
+              <a:rPr lang="en-US" altLang="zh-CN" dirty="0" smtClean="0"/>
+              <a:t>[5]Stefan-Helmut </a:t>
+            </a:r>
+            <a:r>
+              <a:rPr lang="en-US" altLang="zh-CN" dirty="0" err="1" smtClean="0"/>
+              <a:t>Leitner</a:t>
+            </a:r>
+            <a:r>
+              <a:rPr lang="en-US" altLang="zh-CN" dirty="0" smtClean="0"/>
+              <a:t> and Wolfgang </a:t>
+            </a:r>
+            <a:r>
+              <a:rPr lang="en-US" altLang="zh-CN" dirty="0" err="1" smtClean="0"/>
+              <a:t>Mahnk</a:t>
+            </a:r>
+            <a:r>
+              <a:rPr lang="en-US" altLang="zh-CN" dirty="0" smtClean="0"/>
+              <a:t>: </a:t>
+            </a:r>
+            <a:r>
+              <a:rPr lang="en-US" altLang="zh-CN" dirty="0" err="1" smtClean="0"/>
+              <a:t>Opc</a:t>
+            </a:r>
+            <a:r>
+              <a:rPr lang="en-US" altLang="zh-CN" dirty="0" smtClean="0"/>
+              <a:t> </a:t>
+            </a:r>
+            <a:r>
+              <a:rPr lang="en-US" altLang="zh-CN" dirty="0" err="1" smtClean="0"/>
+              <a:t>ua</a:t>
+            </a:r>
+            <a:r>
+              <a:rPr lang="en-US" altLang="zh-CN" dirty="0" smtClean="0"/>
+              <a:t>-service-oriented architecture for industrial applications</a:t>
+            </a:r>
+          </a:p>
+          <a:p>
+            <a:r>
+              <a:rPr lang="en-US" altLang="zh-CN" dirty="0" smtClean="0"/>
+              <a:t>[6]Wolfgang </a:t>
+            </a:r>
+            <a:r>
+              <a:rPr lang="en-US" altLang="zh-CN" dirty="0" err="1" smtClean="0"/>
+              <a:t>Mahnke</a:t>
+            </a:r>
+            <a:r>
+              <a:rPr lang="en-US" altLang="zh-CN" dirty="0" smtClean="0"/>
+              <a:t>, Stefan-Helmut </a:t>
+            </a:r>
+            <a:r>
+              <a:rPr lang="en-US" altLang="zh-CN" dirty="0" err="1" smtClean="0"/>
+              <a:t>Leitner:OPC</a:t>
+            </a:r>
+            <a:r>
+              <a:rPr lang="en-US" altLang="zh-CN" dirty="0" smtClean="0"/>
+              <a:t> Unified Architecture</a:t>
+            </a:r>
+          </a:p>
+          <a:p>
+            <a:r>
+              <a:rPr lang="de-DE" altLang="zh-CN" dirty="0" smtClean="0"/>
+              <a:t>[7]Wolfgang Rankl und Wolfgang Eng: Handbuch der chipkarten - 5. deutsche </a:t>
+            </a:r>
+            <a:r>
+              <a:rPr lang="en-US" altLang="zh-CN" dirty="0" err="1" smtClean="0"/>
+              <a:t>auflage</a:t>
+            </a:r>
+            <a:r>
+              <a:rPr lang="en-US" altLang="zh-CN" dirty="0" smtClean="0"/>
+              <a:t>. (2008)</a:t>
+            </a:r>
+          </a:p>
+          <a:p>
+            <a:endParaRPr lang="en-US" altLang="zh-CN" dirty="0" smtClean="0"/>
+          </a:p>
+          <a:p>
+            <a:endParaRPr lang="zh-CN" altLang="en-US" dirty="0"/>
           </a:p>
         </p:txBody>
       </p:sp>
@@ -4660,7 +4697,7 @@
             <a:spLocks noGrp="1"/>
           </p:cNvSpPr>
           <p:nvPr>
-            <p:ph type="sldNum" sz="quarter" idx="4"/>
+            <p:ph type="sldNum" sz="quarter" idx="10"/>
           </p:nvPr>
         </p:nvSpPr>
         <p:spPr/>
@@ -4679,35 +4716,12 @@
       </p:sp>
       <p:sp>
         <p:nvSpPr>
-          <p:cNvPr id="7" name="标题 6"/>
+          <p:cNvPr id="5" name="页脚占位符 4"/>
           <p:cNvSpPr>
             <a:spLocks noGrp="1"/>
           </p:cNvSpPr>
           <p:nvPr>
-            <p:ph type="ctrTitle"/>
-          </p:nvPr>
-        </p:nvSpPr>
-        <p:spPr/>
-        <p:txBody>
-          <a:bodyPr/>
-          <a:lstStyle/>
-          <a:p>
-            <a:r>
-              <a:rPr lang="en-US" altLang="zh-CN" dirty="0" smtClean="0"/>
-              <a:t>Thank you! Question?</a:t>
-            </a:r>
-            <a:endParaRPr lang="zh-CN" altLang="en-US" dirty="0"/>
-          </a:p>
-        </p:txBody>
-      </p:sp>
-      <p:sp>
-        <p:nvSpPr>
-          <p:cNvPr id="5" name="页脚占位符 4"/>
-          <p:cNvSpPr>
-            <a:spLocks noGrp="1"/>
-          </p:cNvSpPr>
-          <p:nvPr>
-            <p:ph type="ftr" sz="quarter" idx="3"/>
+            <p:ph type="ftr" sz="quarter" idx="11"/>
           </p:nvPr>
         </p:nvSpPr>
         <p:spPr/>
@@ -4730,7 +4744,7 @@
             <a:spLocks noGrp="1"/>
           </p:cNvSpPr>
           <p:nvPr>
-            <p:ph type="dt" sz="half" idx="2"/>
+            <p:ph type="dt" sz="half" idx="12"/>
           </p:nvPr>
         </p:nvSpPr>
         <p:spPr/>
@@ -4781,12 +4795,12 @@
       </p:grpSpPr>
       <p:sp>
         <p:nvSpPr>
-          <p:cNvPr id="2" name="标题 1"/>
+          <p:cNvPr id="8" name="副标题 7"/>
           <p:cNvSpPr>
             <a:spLocks noGrp="1"/>
           </p:cNvSpPr>
           <p:nvPr>
-            <p:ph type="title"/>
+            <p:ph type="subTitle" idx="1"/>
           </p:nvPr>
         </p:nvSpPr>
         <p:spPr/>
@@ -4794,11 +4808,7 @@
           <a:bodyPr/>
           <a:lstStyle/>
           <a:p>
-            <a:r>
-              <a:rPr lang="en-US" altLang="zh-CN" dirty="0" smtClean="0"/>
-              <a:t>OPC UA Client Server Architecture </a:t>
-            </a:r>
-            <a:endParaRPr lang="zh-CN" altLang="en-US" dirty="0"/>
+            <a:endParaRPr lang="zh-CN" altLang="en-US"/>
           </a:p>
         </p:txBody>
       </p:sp>
@@ -4809,7 +4819,7 @@
             <a:spLocks noGrp="1"/>
           </p:cNvSpPr>
           <p:nvPr>
-            <p:ph type="sldNum" sz="quarter" idx="10"/>
+            <p:ph type="sldNum" sz="quarter" idx="4"/>
           </p:nvPr>
         </p:nvSpPr>
         <p:spPr/>
@@ -4821,6 +4831,155 @@
               <a:rPr lang="en-US" smtClean="0"/>
               <a:pPr/>
               <a:t>17</a:t>
+            </a:fld>
+            <a:endParaRPr lang="en-US"/>
+          </a:p>
+        </p:txBody>
+      </p:sp>
+      <p:sp>
+        <p:nvSpPr>
+          <p:cNvPr id="7" name="标题 6"/>
+          <p:cNvSpPr>
+            <a:spLocks noGrp="1"/>
+          </p:cNvSpPr>
+          <p:nvPr>
+            <p:ph type="ctrTitle"/>
+          </p:nvPr>
+        </p:nvSpPr>
+        <p:spPr/>
+        <p:txBody>
+          <a:bodyPr/>
+          <a:lstStyle/>
+          <a:p>
+            <a:r>
+              <a:rPr lang="en-US" altLang="zh-CN" dirty="0" smtClean="0"/>
+              <a:t>Thank you! Question?</a:t>
+            </a:r>
+            <a:endParaRPr lang="zh-CN" altLang="en-US" dirty="0"/>
+          </a:p>
+        </p:txBody>
+      </p:sp>
+      <p:sp>
+        <p:nvSpPr>
+          <p:cNvPr id="5" name="页脚占位符 4"/>
+          <p:cNvSpPr>
+            <a:spLocks noGrp="1"/>
+          </p:cNvSpPr>
+          <p:nvPr>
+            <p:ph type="ftr" sz="quarter" idx="3"/>
+          </p:nvPr>
+        </p:nvSpPr>
+        <p:spPr/>
+        <p:txBody>
+          <a:bodyPr/>
+          <a:lstStyle/>
+          <a:p>
+            <a:r>
+              <a:rPr lang="en-US" altLang="zh-CN" smtClean="0"/>
+              <a:t>OPC UA on Secure Device Yuankui Wang</a:t>
+            </a:r>
+            <a:endParaRPr lang="en-US" altLang="zh-CN" dirty="0"/>
+          </a:p>
+        </p:txBody>
+      </p:sp>
+      <p:sp>
+        <p:nvSpPr>
+          <p:cNvPr id="6" name="日期占位符 5"/>
+          <p:cNvSpPr>
+            <a:spLocks noGrp="1"/>
+          </p:cNvSpPr>
+          <p:nvPr>
+            <p:ph type="dt" sz="half" idx="2"/>
+          </p:nvPr>
+        </p:nvSpPr>
+        <p:spPr/>
+        <p:txBody>
+          <a:bodyPr/>
+          <a:lstStyle/>
+          <a:p>
+            <a:fld id="{D9CB193C-FC74-4279-8388-9DD1BFD58DB8}" type="datetime4">
+              <a:rPr lang="en-US" smtClean="0"/>
+              <a:pPr/>
+              <a:t>June 16, 2014</a:t>
+            </a:fld>
+            <a:endParaRPr lang="en-US"/>
+          </a:p>
+        </p:txBody>
+      </p:sp>
+    </p:spTree>
+  </p:cSld>
+  <p:clrMapOvr>
+    <a:masterClrMapping/>
+  </p:clrMapOvr>
+  <p:timing>
+    <p:tnLst>
+      <p:par>
+        <p:cTn id="1" dur="indefinite" restart="never" nodeType="tmRoot"/>
+      </p:par>
+    </p:tnLst>
+  </p:timing>
+</p:sld>
+</file>
+
+<file path=ppt/slides/slide18.xml><?xml version="1.0" encoding="utf-8"?>
+<p:sld xmlns:a="http://schemas.openxmlformats.org/drawingml/2006/main" xmlns:r="http://schemas.openxmlformats.org/officeDocument/2006/relationships" xmlns:p="http://schemas.openxmlformats.org/presentationml/2006/main">
+  <p:cSld>
+    <p:spTree>
+      <p:nvGrpSpPr>
+        <p:cNvPr id="1" name=""/>
+        <p:cNvGrpSpPr/>
+        <p:nvPr/>
+      </p:nvGrpSpPr>
+      <p:grpSpPr>
+        <a:xfrm>
+          <a:off x="0" y="0"/>
+          <a:ext cx="0" cy="0"/>
+          <a:chOff x="0" y="0"/>
+          <a:chExt cx="0" cy="0"/>
+        </a:xfrm>
+      </p:grpSpPr>
+      <p:sp>
+        <p:nvSpPr>
+          <p:cNvPr id="2" name="标题 1"/>
+          <p:cNvSpPr>
+            <a:spLocks noGrp="1"/>
+          </p:cNvSpPr>
+          <p:nvPr>
+            <p:ph type="title"/>
+          </p:nvPr>
+        </p:nvSpPr>
+        <p:spPr/>
+        <p:txBody>
+          <a:bodyPr/>
+          <a:lstStyle/>
+          <a:p>
+            <a:r>
+              <a:rPr lang="en-US" altLang="zh-CN" dirty="0" smtClean="0"/>
+              <a:t>OPC UA Client Server Architecture </a:t>
+            </a:r>
+            <a:endParaRPr lang="zh-CN" altLang="en-US" dirty="0"/>
+          </a:p>
+        </p:txBody>
+      </p:sp>
+      <p:sp>
+        <p:nvSpPr>
+          <p:cNvPr id="4" name="灯片编号占位符 3"/>
+          <p:cNvSpPr>
+            <a:spLocks noGrp="1"/>
+          </p:cNvSpPr>
+          <p:nvPr>
+            <p:ph type="sldNum" sz="quarter" idx="10"/>
+          </p:nvPr>
+        </p:nvSpPr>
+        <p:spPr/>
+        <p:txBody>
+          <a:bodyPr/>
+          <a:lstStyle/>
+          <a:p>
+            <a:fld id="{FAF38CBB-378C-4311-BC9A-BAB83E9729AD}" type="slidenum">
+              <a:rPr lang="en-US" smtClean="0"/>
+              <a:pPr/>
+              <a:t>18</a:t>
             </a:fld>
             <a:endParaRPr lang="en-US"/>
           </a:p>
@@ -4923,7 +5082,7 @@
 </p:sld>
 </file>
 
-<file path=ppt/slides/slide18.xml><?xml version="1.0" encoding="utf-8"?>
+<file path=ppt/slides/slide19.xml><?xml version="1.0" encoding="utf-8"?>
 <p:sld xmlns:a="http://schemas.openxmlformats.org/drawingml/2006/main" xmlns:r="http://schemas.openxmlformats.org/officeDocument/2006/relationships" xmlns:p="http://schemas.openxmlformats.org/presentationml/2006/main">
   <p:cSld>
     <p:spTree>
@@ -4981,7 +5140,7 @@
             <a:fld id="{FAF38CBB-378C-4311-BC9A-BAB83E9729AD}" type="slidenum">
               <a:rPr lang="en-US" smtClean="0"/>
               <a:pPr/>
-              <a:t>18</a:t>
+              <a:t>19</a:t>
             </a:fld>
             <a:endParaRPr lang="en-US"/>
           </a:p>
@@ -5409,495 +5568,6 @@
     <a:masterClrMapping/>
   </p:clrMapOvr>
   <p:transition/>
-  <p:timing>
-    <p:tnLst>
-      <p:par>
-        <p:cTn id="1" dur="indefinite" restart="never" nodeType="tmRoot"/>
-      </p:par>
-    </p:tnLst>
-  </p:timing>
-</p:sld>
-</file>
-
-<file path=ppt/slides/slide19.xml><?xml version="1.0" encoding="utf-8"?>
-<p:sld xmlns:a="http://schemas.openxmlformats.org/drawingml/2006/main" xmlns:r="http://schemas.openxmlformats.org/officeDocument/2006/relationships" xmlns:p="http://schemas.openxmlformats.org/presentationml/2006/main">
-  <p:cSld>
-    <p:spTree>
-      <p:nvGrpSpPr>
-        <p:cNvPr id="1" name=""/>
-        <p:cNvGrpSpPr/>
-        <p:nvPr/>
-      </p:nvGrpSpPr>
-      <p:grpSpPr>
-        <a:xfrm>
-          <a:off x="0" y="0"/>
-          <a:ext cx="0" cy="0"/>
-          <a:chOff x="0" y="0"/>
-          <a:chExt cx="0" cy="0"/>
-        </a:xfrm>
-      </p:grpSpPr>
-      <p:sp>
-        <p:nvSpPr>
-          <p:cNvPr id="2" name="标题 1"/>
-          <p:cNvSpPr>
-            <a:spLocks noGrp="1"/>
-          </p:cNvSpPr>
-          <p:nvPr>
-            <p:ph type="title"/>
-          </p:nvPr>
-        </p:nvSpPr>
-        <p:spPr/>
-        <p:txBody>
-          <a:bodyPr/>
-          <a:lstStyle/>
-          <a:p>
-            <a:r>
-              <a:rPr lang="en-US" altLang="zh-CN" dirty="0" smtClean="0"/>
-              <a:t>OPC UA Client Server Architecture </a:t>
-            </a:r>
-            <a:endParaRPr lang="zh-CN" altLang="en-US" dirty="0"/>
-          </a:p>
-        </p:txBody>
-      </p:sp>
-      <p:sp>
-        <p:nvSpPr>
-          <p:cNvPr id="4" name="灯片编号占位符 3"/>
-          <p:cNvSpPr>
-            <a:spLocks noGrp="1"/>
-          </p:cNvSpPr>
-          <p:nvPr>
-            <p:ph type="sldNum" sz="quarter" idx="10"/>
-          </p:nvPr>
-        </p:nvSpPr>
-        <p:spPr/>
-        <p:txBody>
-          <a:bodyPr/>
-          <a:lstStyle/>
-          <a:p>
-            <a:fld id="{FAF38CBB-378C-4311-BC9A-BAB83E9729AD}" type="slidenum">
-              <a:rPr lang="en-US" smtClean="0"/>
-              <a:pPr/>
-              <a:t>19</a:t>
-            </a:fld>
-            <a:endParaRPr lang="en-US"/>
-          </a:p>
-        </p:txBody>
-      </p:sp>
-      <p:sp>
-        <p:nvSpPr>
-          <p:cNvPr id="5" name="页脚占位符 4"/>
-          <p:cNvSpPr>
-            <a:spLocks noGrp="1"/>
-          </p:cNvSpPr>
-          <p:nvPr>
-            <p:ph type="ftr" sz="quarter" idx="11"/>
-          </p:nvPr>
-        </p:nvSpPr>
-        <p:spPr/>
-        <p:txBody>
-          <a:bodyPr/>
-          <a:lstStyle/>
-          <a:p>
-            <a:r>
-              <a:rPr lang="en-US" altLang="zh-CN" smtClean="0"/>
-              <a:t>OPC UA on Secure Device Yuankui Wang</a:t>
-            </a:r>
-            <a:endParaRPr lang="en-US" altLang="zh-CN" dirty="0"/>
-          </a:p>
-        </p:txBody>
-      </p:sp>
-      <p:sp>
-        <p:nvSpPr>
-          <p:cNvPr id="6" name="日期占位符 5"/>
-          <p:cNvSpPr>
-            <a:spLocks noGrp="1"/>
-          </p:cNvSpPr>
-          <p:nvPr>
-            <p:ph type="dt" sz="half" idx="12"/>
-          </p:nvPr>
-        </p:nvSpPr>
-        <p:spPr/>
-        <p:txBody>
-          <a:bodyPr/>
-          <a:lstStyle/>
-          <a:p>
-            <a:fld id="{D9CB193C-FC74-4279-8388-9DD1BFD58DB8}" type="datetime4">
-              <a:rPr lang="en-US" smtClean="0"/>
-              <a:pPr/>
-              <a:t>June 16, 2014</a:t>
-            </a:fld>
-            <a:endParaRPr lang="en-US"/>
-          </a:p>
-        </p:txBody>
-      </p:sp>
-      <p:pic>
-        <p:nvPicPr>
-          <p:cNvPr id="1026" name="Picture 2"/>
-          <p:cNvPicPr>
-            <a:picLocks noGrp="1" noChangeAspect="1" noChangeArrowheads="1"/>
-          </p:cNvPicPr>
-          <p:nvPr>
-            <p:ph idx="1"/>
-          </p:nvPr>
-        </p:nvPicPr>
-        <p:blipFill>
-          <a:blip r:embed="rId2" cstate="print"/>
-          <a:srcRect l="36641"/>
-          <a:stretch>
-            <a:fillRect/>
-          </a:stretch>
-        </p:blipFill>
-        <p:spPr bwMode="auto">
-          <a:xfrm>
-            <a:off x="4645152" y="1065213"/>
-            <a:ext cx="4259135" cy="3857657"/>
-          </a:xfrm>
-          <a:prstGeom prst="rect">
-            <a:avLst/>
-          </a:prstGeom>
-          <a:noFill/>
-          <a:ln w="9525">
-            <a:noFill/>
-            <a:miter lim="800000"/>
-            <a:headEnd/>
-            <a:tailEnd/>
-          </a:ln>
-        </p:spPr>
-      </p:pic>
-      <p:sp>
-        <p:nvSpPr>
-          <p:cNvPr id="7" name="内容占位符 2"/>
-          <p:cNvSpPr txBox="1">
-            <a:spLocks/>
-          </p:cNvSpPr>
-          <p:nvPr/>
-        </p:nvSpPr>
-        <p:spPr bwMode="auto">
-          <a:xfrm>
-            <a:off x="210312" y="1197864"/>
-            <a:ext cx="4434840" cy="5056187"/>
-          </a:xfrm>
-          <a:prstGeom prst="rect">
-            <a:avLst/>
-          </a:prstGeom>
-          <a:noFill/>
-          <a:ln w="9525">
-            <a:noFill/>
-            <a:miter lim="800000"/>
-            <a:headEnd/>
-            <a:tailEnd/>
-          </a:ln>
-        </p:spPr>
-        <p:txBody>
-          <a:bodyPr vert="horz" wrap="square" lIns="91440" tIns="45720" rIns="91440" bIns="45720" numCol="1" anchor="t" anchorCtr="0" compatLnSpc="1">
-            <a:prstTxWarp prst="textNoShape">
-              <a:avLst/>
-            </a:prstTxWarp>
-          </a:bodyPr>
-          <a:lstStyle/>
-          <a:p>
-            <a:pPr marL="342900" marR="0" lvl="0" indent="-342900" algn="l" defTabSz="914400" rtl="0" eaLnBrk="1" fontAlgn="base" latinLnBrk="0" hangingPunct="1">
-              <a:lnSpc>
-                <a:spcPct val="100000"/>
-              </a:lnSpc>
-              <a:spcBef>
-                <a:spcPct val="20000"/>
-              </a:spcBef>
-              <a:spcAft>
-                <a:spcPct val="0"/>
-              </a:spcAft>
-              <a:buClr>
-                <a:srgbClr val="073482"/>
-              </a:buClr>
-              <a:buSzTx/>
-              <a:buFont typeface="Wingdings" pitchFamily="2" charset="2"/>
-              <a:buChar char="§"/>
-              <a:tabLst/>
-              <a:defRPr/>
-            </a:pPr>
-            <a:r>
-              <a:rPr kumimoji="0" lang="en-US" altLang="zh-CN" b="0" i="0" u="none" strike="noStrike" kern="0" cap="none" spc="0" normalizeH="0" baseline="0" noProof="0" dirty="0" smtClean="0">
-                <a:ln>
-                  <a:noFill/>
-                </a:ln>
-                <a:solidFill>
-                  <a:schemeClr val="tx1"/>
-                </a:solidFill>
-                <a:effectLst/>
-                <a:uLnTx/>
-                <a:uFillTx/>
-                <a:latin typeface="+mn-lt"/>
-                <a:ea typeface="+mn-ea"/>
-                <a:cs typeface="+mn-cs"/>
-              </a:rPr>
-              <a:t>Real Object: Field</a:t>
-            </a:r>
-            <a:r>
-              <a:rPr kumimoji="0" lang="en-US" altLang="zh-CN" b="0" i="0" u="none" strike="noStrike" kern="0" cap="none" spc="0" normalizeH="0" noProof="0" dirty="0" smtClean="0">
-                <a:ln>
-                  <a:noFill/>
-                </a:ln>
-                <a:solidFill>
-                  <a:schemeClr val="tx1"/>
-                </a:solidFill>
-                <a:effectLst/>
-                <a:uLnTx/>
-                <a:uFillTx/>
-                <a:latin typeface="+mn-lt"/>
-                <a:ea typeface="+mn-ea"/>
-                <a:cs typeface="+mn-cs"/>
-              </a:rPr>
-              <a:t> devices, abstract date.</a:t>
-            </a:r>
-          </a:p>
-          <a:p>
-            <a:pPr marL="342900" marR="0" lvl="0" indent="-342900" algn="l" defTabSz="914400" rtl="0" eaLnBrk="1" fontAlgn="base" latinLnBrk="0" hangingPunct="1">
-              <a:lnSpc>
-                <a:spcPct val="100000"/>
-              </a:lnSpc>
-              <a:spcBef>
-                <a:spcPct val="20000"/>
-              </a:spcBef>
-              <a:spcAft>
-                <a:spcPct val="0"/>
-              </a:spcAft>
-              <a:buClr>
-                <a:srgbClr val="073482"/>
-              </a:buClr>
-              <a:buSzTx/>
-              <a:buFont typeface="Wingdings" pitchFamily="2" charset="2"/>
-              <a:buChar char="§"/>
-              <a:tabLst/>
-              <a:defRPr/>
-            </a:pPr>
-            <a:r>
-              <a:rPr lang="en-US" altLang="zh-CN" b="0" i="0" kern="0" dirty="0" smtClean="0">
-                <a:solidFill>
-                  <a:schemeClr val="tx1"/>
-                </a:solidFill>
-                <a:latin typeface="+mn-lt"/>
-              </a:rPr>
-              <a:t>Node: Real Objects are represented by Nodes.</a:t>
-            </a:r>
-            <a:endParaRPr kumimoji="0" lang="en-US" altLang="zh-CN" b="0" i="0" u="none" strike="noStrike" kern="0" cap="none" spc="0" normalizeH="0" noProof="0" dirty="0" smtClean="0">
-              <a:ln>
-                <a:noFill/>
-              </a:ln>
-              <a:solidFill>
-                <a:schemeClr val="tx1"/>
-              </a:solidFill>
-              <a:effectLst/>
-              <a:uLnTx/>
-              <a:uFillTx/>
-              <a:latin typeface="+mn-lt"/>
-              <a:ea typeface="+mn-ea"/>
-              <a:cs typeface="+mn-cs"/>
-            </a:endParaRPr>
-          </a:p>
-          <a:p>
-            <a:pPr marL="342900" marR="0" lvl="0" indent="-342900" algn="l" defTabSz="914400" rtl="0" eaLnBrk="1" fontAlgn="base" latinLnBrk="0" hangingPunct="1">
-              <a:lnSpc>
-                <a:spcPct val="100000"/>
-              </a:lnSpc>
-              <a:spcBef>
-                <a:spcPct val="20000"/>
-              </a:spcBef>
-              <a:spcAft>
-                <a:spcPct val="0"/>
-              </a:spcAft>
-              <a:buClr>
-                <a:srgbClr val="073482"/>
-              </a:buClr>
-              <a:buSzTx/>
-              <a:buFont typeface="Wingdings" pitchFamily="2" charset="2"/>
-              <a:buChar char="§"/>
-              <a:tabLst/>
-              <a:defRPr/>
-            </a:pPr>
-            <a:r>
-              <a:rPr lang="en-US" altLang="zh-CN" b="0" i="0" kern="0" dirty="0" smtClean="0">
-                <a:solidFill>
-                  <a:schemeClr val="tx1"/>
-                </a:solidFill>
-                <a:latin typeface="+mn-lt"/>
-              </a:rPr>
-              <a:t>Address Space: Information that can be viewed by OPC UA clients</a:t>
-            </a:r>
-          </a:p>
-          <a:p>
-            <a:pPr marL="342900" marR="0" lvl="0" indent="-342900" algn="l" defTabSz="914400" rtl="0" eaLnBrk="1" fontAlgn="base" latinLnBrk="0" hangingPunct="1">
-              <a:lnSpc>
-                <a:spcPct val="100000"/>
-              </a:lnSpc>
-              <a:spcBef>
-                <a:spcPct val="20000"/>
-              </a:spcBef>
-              <a:spcAft>
-                <a:spcPct val="0"/>
-              </a:spcAft>
-              <a:buClr>
-                <a:srgbClr val="073482"/>
-              </a:buClr>
-              <a:buSzTx/>
-              <a:buFont typeface="Wingdings" pitchFamily="2" charset="2"/>
-              <a:buChar char="§"/>
-              <a:tabLst/>
-              <a:defRPr/>
-            </a:pPr>
-            <a:r>
-              <a:rPr lang="en-US" altLang="zh-CN" b="0" i="0" kern="0" noProof="0" dirty="0" smtClean="0">
-                <a:solidFill>
-                  <a:schemeClr val="tx1"/>
-                </a:solidFill>
-                <a:latin typeface="+mn-lt"/>
-              </a:rPr>
-              <a:t>Subscription: Client can subscript particular information</a:t>
-            </a:r>
-          </a:p>
-          <a:p>
-            <a:pPr marL="342900" marR="0" lvl="0" indent="-342900" algn="l" defTabSz="914400" rtl="0" eaLnBrk="1" fontAlgn="base" latinLnBrk="0" hangingPunct="1">
-              <a:lnSpc>
-                <a:spcPct val="100000"/>
-              </a:lnSpc>
-              <a:spcBef>
-                <a:spcPct val="20000"/>
-              </a:spcBef>
-              <a:spcAft>
-                <a:spcPct val="0"/>
-              </a:spcAft>
-              <a:buClr>
-                <a:srgbClr val="073482"/>
-              </a:buClr>
-              <a:buSzTx/>
-              <a:buFont typeface="Wingdings" pitchFamily="2" charset="2"/>
-              <a:buChar char="§"/>
-              <a:tabLst/>
-              <a:defRPr/>
-            </a:pPr>
-            <a:r>
-              <a:rPr lang="en-US" altLang="zh-CN" b="0" i="0" kern="0" dirty="0" smtClean="0">
-                <a:solidFill>
-                  <a:schemeClr val="tx1"/>
-                </a:solidFill>
-                <a:latin typeface="+mn-lt"/>
-              </a:rPr>
-              <a:t>Monitored Item: manage subscripted Nodes.</a:t>
-            </a:r>
-          </a:p>
-          <a:p>
-            <a:pPr marL="342900" marR="0" lvl="0" indent="-342900" algn="l" defTabSz="914400" rtl="0" eaLnBrk="1" fontAlgn="base" latinLnBrk="0" hangingPunct="1">
-              <a:lnSpc>
-                <a:spcPct val="100000"/>
-              </a:lnSpc>
-              <a:spcBef>
-                <a:spcPct val="20000"/>
-              </a:spcBef>
-              <a:spcAft>
-                <a:spcPct val="0"/>
-              </a:spcAft>
-              <a:buClr>
-                <a:srgbClr val="073482"/>
-              </a:buClr>
-              <a:buSzTx/>
-              <a:buFont typeface="Wingdings" pitchFamily="2" charset="2"/>
-              <a:buChar char="§"/>
-              <a:tabLst/>
-              <a:defRPr/>
-            </a:pPr>
-            <a:r>
-              <a:rPr lang="en-US" altLang="zh-CN" b="0" i="0" kern="0" noProof="0" dirty="0" smtClean="0">
-                <a:solidFill>
-                  <a:schemeClr val="tx1"/>
-                </a:solidFill>
-                <a:latin typeface="+mn-lt"/>
-              </a:rPr>
-              <a:t>Server API: Translate Server application instructions</a:t>
-            </a:r>
-          </a:p>
-          <a:p>
-            <a:pPr marL="342900" marR="0" lvl="0" indent="-342900" algn="l" defTabSz="914400" rtl="0" eaLnBrk="1" fontAlgn="base" latinLnBrk="0" hangingPunct="1">
-              <a:lnSpc>
-                <a:spcPct val="100000"/>
-              </a:lnSpc>
-              <a:spcBef>
-                <a:spcPct val="20000"/>
-              </a:spcBef>
-              <a:spcAft>
-                <a:spcPct val="0"/>
-              </a:spcAft>
-              <a:buClr>
-                <a:srgbClr val="073482"/>
-              </a:buClr>
-              <a:buSzTx/>
-              <a:buFont typeface="Wingdings" pitchFamily="2" charset="2"/>
-              <a:buChar char="§"/>
-              <a:tabLst/>
-              <a:defRPr/>
-            </a:pPr>
-            <a:r>
-              <a:rPr lang="en-US" altLang="zh-CN" b="0" i="0" kern="0" dirty="0" smtClean="0">
-                <a:solidFill>
-                  <a:schemeClr val="tx1"/>
-                </a:solidFill>
-                <a:latin typeface="+mn-lt"/>
-              </a:rPr>
-              <a:t>Communication Stack: realize commutation with OPC UA client</a:t>
-            </a:r>
-            <a:endParaRPr lang="en-US" altLang="zh-CN" b="0" i="0" kern="0" noProof="0" dirty="0" smtClean="0">
-              <a:solidFill>
-                <a:schemeClr val="tx1"/>
-              </a:solidFill>
-              <a:latin typeface="+mn-lt"/>
-            </a:endParaRPr>
-          </a:p>
-          <a:p>
-            <a:pPr marL="342900" marR="0" lvl="0" indent="-342900" algn="l" defTabSz="914400" rtl="0" eaLnBrk="1" fontAlgn="base" latinLnBrk="0" hangingPunct="1">
-              <a:lnSpc>
-                <a:spcPct val="100000"/>
-              </a:lnSpc>
-              <a:spcBef>
-                <a:spcPct val="20000"/>
-              </a:spcBef>
-              <a:spcAft>
-                <a:spcPct val="0"/>
-              </a:spcAft>
-              <a:buClr>
-                <a:srgbClr val="073482"/>
-              </a:buClr>
-              <a:buSzTx/>
-              <a:tabLst/>
-              <a:defRPr/>
-            </a:pPr>
-            <a:endParaRPr lang="en-US" altLang="zh-CN" b="0" i="0" kern="0" dirty="0" smtClean="0">
-              <a:solidFill>
-                <a:schemeClr val="tx1"/>
-              </a:solidFill>
-              <a:latin typeface="+mn-lt"/>
-            </a:endParaRPr>
-          </a:p>
-          <a:p>
-            <a:pPr marL="800100" lvl="1" indent="-342900">
-              <a:spcBef>
-                <a:spcPct val="20000"/>
-              </a:spcBef>
-              <a:buClr>
-                <a:srgbClr val="073482"/>
-              </a:buClr>
-            </a:pPr>
-            <a:endParaRPr lang="en-US" altLang="zh-CN" sz="2400" b="0" i="0" kern="0" dirty="0" smtClean="0">
-              <a:solidFill>
-                <a:schemeClr val="tx1"/>
-              </a:solidFill>
-              <a:latin typeface="+mn-lt"/>
-            </a:endParaRPr>
-          </a:p>
-        </p:txBody>
-      </p:sp>
-    </p:spTree>
-  </p:cSld>
-  <p:clrMapOvr>
-    <a:masterClrMapping/>
-  </p:clrMapOvr>
   <p:timing>
     <p:tnLst>
       <p:par>
@@ -6079,6 +5749,495 @@
               <a:t>June 16, 2014</a:t>
             </a:fld>
             <a:endParaRPr lang="en-US"/>
+          </a:p>
+        </p:txBody>
+      </p:sp>
+    </p:spTree>
+  </p:cSld>
+  <p:clrMapOvr>
+    <a:masterClrMapping/>
+  </p:clrMapOvr>
+  <p:timing>
+    <p:tnLst>
+      <p:par>
+        <p:cTn id="1" dur="indefinite" restart="never" nodeType="tmRoot"/>
+      </p:par>
+    </p:tnLst>
+  </p:timing>
+</p:sld>
+</file>
+
+<file path=ppt/slides/slide20.xml><?xml version="1.0" encoding="utf-8"?>
+<p:sld xmlns:a="http://schemas.openxmlformats.org/drawingml/2006/main" xmlns:r="http://schemas.openxmlformats.org/officeDocument/2006/relationships" xmlns:p="http://schemas.openxmlformats.org/presentationml/2006/main">
+  <p:cSld>
+    <p:spTree>
+      <p:nvGrpSpPr>
+        <p:cNvPr id="1" name=""/>
+        <p:cNvGrpSpPr/>
+        <p:nvPr/>
+      </p:nvGrpSpPr>
+      <p:grpSpPr>
+        <a:xfrm>
+          <a:off x="0" y="0"/>
+          <a:ext cx="0" cy="0"/>
+          <a:chOff x="0" y="0"/>
+          <a:chExt cx="0" cy="0"/>
+        </a:xfrm>
+      </p:grpSpPr>
+      <p:sp>
+        <p:nvSpPr>
+          <p:cNvPr id="2" name="标题 1"/>
+          <p:cNvSpPr>
+            <a:spLocks noGrp="1"/>
+          </p:cNvSpPr>
+          <p:nvPr>
+            <p:ph type="title"/>
+          </p:nvPr>
+        </p:nvSpPr>
+        <p:spPr/>
+        <p:txBody>
+          <a:bodyPr/>
+          <a:lstStyle/>
+          <a:p>
+            <a:r>
+              <a:rPr lang="en-US" altLang="zh-CN" dirty="0" smtClean="0"/>
+              <a:t>OPC UA Client Server Architecture </a:t>
+            </a:r>
+            <a:endParaRPr lang="zh-CN" altLang="en-US" dirty="0"/>
+          </a:p>
+        </p:txBody>
+      </p:sp>
+      <p:sp>
+        <p:nvSpPr>
+          <p:cNvPr id="4" name="灯片编号占位符 3"/>
+          <p:cNvSpPr>
+            <a:spLocks noGrp="1"/>
+          </p:cNvSpPr>
+          <p:nvPr>
+            <p:ph type="sldNum" sz="quarter" idx="10"/>
+          </p:nvPr>
+        </p:nvSpPr>
+        <p:spPr/>
+        <p:txBody>
+          <a:bodyPr/>
+          <a:lstStyle/>
+          <a:p>
+            <a:fld id="{FAF38CBB-378C-4311-BC9A-BAB83E9729AD}" type="slidenum">
+              <a:rPr lang="en-US" smtClean="0"/>
+              <a:pPr/>
+              <a:t>20</a:t>
+            </a:fld>
+            <a:endParaRPr lang="en-US"/>
+          </a:p>
+        </p:txBody>
+      </p:sp>
+      <p:sp>
+        <p:nvSpPr>
+          <p:cNvPr id="5" name="页脚占位符 4"/>
+          <p:cNvSpPr>
+            <a:spLocks noGrp="1"/>
+          </p:cNvSpPr>
+          <p:nvPr>
+            <p:ph type="ftr" sz="quarter" idx="11"/>
+          </p:nvPr>
+        </p:nvSpPr>
+        <p:spPr/>
+        <p:txBody>
+          <a:bodyPr/>
+          <a:lstStyle/>
+          <a:p>
+            <a:r>
+              <a:rPr lang="en-US" altLang="zh-CN" smtClean="0"/>
+              <a:t>OPC UA on Secure Device Yuankui Wang</a:t>
+            </a:r>
+            <a:endParaRPr lang="en-US" altLang="zh-CN" dirty="0"/>
+          </a:p>
+        </p:txBody>
+      </p:sp>
+      <p:sp>
+        <p:nvSpPr>
+          <p:cNvPr id="6" name="日期占位符 5"/>
+          <p:cNvSpPr>
+            <a:spLocks noGrp="1"/>
+          </p:cNvSpPr>
+          <p:nvPr>
+            <p:ph type="dt" sz="half" idx="12"/>
+          </p:nvPr>
+        </p:nvSpPr>
+        <p:spPr/>
+        <p:txBody>
+          <a:bodyPr/>
+          <a:lstStyle/>
+          <a:p>
+            <a:fld id="{D9CB193C-FC74-4279-8388-9DD1BFD58DB8}" type="datetime4">
+              <a:rPr lang="en-US" smtClean="0"/>
+              <a:pPr/>
+              <a:t>June 16, 2014</a:t>
+            </a:fld>
+            <a:endParaRPr lang="en-US"/>
+          </a:p>
+        </p:txBody>
+      </p:sp>
+      <p:pic>
+        <p:nvPicPr>
+          <p:cNvPr id="1026" name="Picture 2"/>
+          <p:cNvPicPr>
+            <a:picLocks noGrp="1" noChangeAspect="1" noChangeArrowheads="1"/>
+          </p:cNvPicPr>
+          <p:nvPr>
+            <p:ph idx="1"/>
+          </p:nvPr>
+        </p:nvPicPr>
+        <p:blipFill>
+          <a:blip r:embed="rId2" cstate="print"/>
+          <a:srcRect l="36641"/>
+          <a:stretch>
+            <a:fillRect/>
+          </a:stretch>
+        </p:blipFill>
+        <p:spPr bwMode="auto">
+          <a:xfrm>
+            <a:off x="4645152" y="1065213"/>
+            <a:ext cx="4259135" cy="3857657"/>
+          </a:xfrm>
+          <a:prstGeom prst="rect">
+            <a:avLst/>
+          </a:prstGeom>
+          <a:noFill/>
+          <a:ln w="9525">
+            <a:noFill/>
+            <a:miter lim="800000"/>
+            <a:headEnd/>
+            <a:tailEnd/>
+          </a:ln>
+        </p:spPr>
+      </p:pic>
+      <p:sp>
+        <p:nvSpPr>
+          <p:cNvPr id="7" name="内容占位符 2"/>
+          <p:cNvSpPr txBox="1">
+            <a:spLocks/>
+          </p:cNvSpPr>
+          <p:nvPr/>
+        </p:nvSpPr>
+        <p:spPr bwMode="auto">
+          <a:xfrm>
+            <a:off x="210312" y="1197864"/>
+            <a:ext cx="4434840" cy="5056187"/>
+          </a:xfrm>
+          <a:prstGeom prst="rect">
+            <a:avLst/>
+          </a:prstGeom>
+          <a:noFill/>
+          <a:ln w="9525">
+            <a:noFill/>
+            <a:miter lim="800000"/>
+            <a:headEnd/>
+            <a:tailEnd/>
+          </a:ln>
+        </p:spPr>
+        <p:txBody>
+          <a:bodyPr vert="horz" wrap="square" lIns="91440" tIns="45720" rIns="91440" bIns="45720" numCol="1" anchor="t" anchorCtr="0" compatLnSpc="1">
+            <a:prstTxWarp prst="textNoShape">
+              <a:avLst/>
+            </a:prstTxWarp>
+          </a:bodyPr>
+          <a:lstStyle/>
+          <a:p>
+            <a:pPr marL="342900" marR="0" lvl="0" indent="-342900" algn="l" defTabSz="914400" rtl="0" eaLnBrk="1" fontAlgn="base" latinLnBrk="0" hangingPunct="1">
+              <a:lnSpc>
+                <a:spcPct val="100000"/>
+              </a:lnSpc>
+              <a:spcBef>
+                <a:spcPct val="20000"/>
+              </a:spcBef>
+              <a:spcAft>
+                <a:spcPct val="0"/>
+              </a:spcAft>
+              <a:buClr>
+                <a:srgbClr val="073482"/>
+              </a:buClr>
+              <a:buSzTx/>
+              <a:buFont typeface="Wingdings" pitchFamily="2" charset="2"/>
+              <a:buChar char="§"/>
+              <a:tabLst/>
+              <a:defRPr/>
+            </a:pPr>
+            <a:r>
+              <a:rPr kumimoji="0" lang="en-US" altLang="zh-CN" b="0" i="0" u="none" strike="noStrike" kern="0" cap="none" spc="0" normalizeH="0" baseline="0" noProof="0" dirty="0" smtClean="0">
+                <a:ln>
+                  <a:noFill/>
+                </a:ln>
+                <a:solidFill>
+                  <a:schemeClr val="tx1"/>
+                </a:solidFill>
+                <a:effectLst/>
+                <a:uLnTx/>
+                <a:uFillTx/>
+                <a:latin typeface="+mn-lt"/>
+                <a:ea typeface="+mn-ea"/>
+                <a:cs typeface="+mn-cs"/>
+              </a:rPr>
+              <a:t>Real Object: Field</a:t>
+            </a:r>
+            <a:r>
+              <a:rPr kumimoji="0" lang="en-US" altLang="zh-CN" b="0" i="0" u="none" strike="noStrike" kern="0" cap="none" spc="0" normalizeH="0" noProof="0" dirty="0" smtClean="0">
+                <a:ln>
+                  <a:noFill/>
+                </a:ln>
+                <a:solidFill>
+                  <a:schemeClr val="tx1"/>
+                </a:solidFill>
+                <a:effectLst/>
+                <a:uLnTx/>
+                <a:uFillTx/>
+                <a:latin typeface="+mn-lt"/>
+                <a:ea typeface="+mn-ea"/>
+                <a:cs typeface="+mn-cs"/>
+              </a:rPr>
+              <a:t> devices, abstract date.</a:t>
+            </a:r>
+          </a:p>
+          <a:p>
+            <a:pPr marL="342900" marR="0" lvl="0" indent="-342900" algn="l" defTabSz="914400" rtl="0" eaLnBrk="1" fontAlgn="base" latinLnBrk="0" hangingPunct="1">
+              <a:lnSpc>
+                <a:spcPct val="100000"/>
+              </a:lnSpc>
+              <a:spcBef>
+                <a:spcPct val="20000"/>
+              </a:spcBef>
+              <a:spcAft>
+                <a:spcPct val="0"/>
+              </a:spcAft>
+              <a:buClr>
+                <a:srgbClr val="073482"/>
+              </a:buClr>
+              <a:buSzTx/>
+              <a:buFont typeface="Wingdings" pitchFamily="2" charset="2"/>
+              <a:buChar char="§"/>
+              <a:tabLst/>
+              <a:defRPr/>
+            </a:pPr>
+            <a:r>
+              <a:rPr lang="en-US" altLang="zh-CN" b="0" i="0" kern="0" dirty="0" smtClean="0">
+                <a:solidFill>
+                  <a:schemeClr val="tx1"/>
+                </a:solidFill>
+                <a:latin typeface="+mn-lt"/>
+              </a:rPr>
+              <a:t>Node: Real Objects are represented by Nodes.</a:t>
+            </a:r>
+            <a:endParaRPr kumimoji="0" lang="en-US" altLang="zh-CN" b="0" i="0" u="none" strike="noStrike" kern="0" cap="none" spc="0" normalizeH="0" noProof="0" dirty="0" smtClean="0">
+              <a:ln>
+                <a:noFill/>
+              </a:ln>
+              <a:solidFill>
+                <a:schemeClr val="tx1"/>
+              </a:solidFill>
+              <a:effectLst/>
+              <a:uLnTx/>
+              <a:uFillTx/>
+              <a:latin typeface="+mn-lt"/>
+              <a:ea typeface="+mn-ea"/>
+              <a:cs typeface="+mn-cs"/>
+            </a:endParaRPr>
+          </a:p>
+          <a:p>
+            <a:pPr marL="342900" marR="0" lvl="0" indent="-342900" algn="l" defTabSz="914400" rtl="0" eaLnBrk="1" fontAlgn="base" latinLnBrk="0" hangingPunct="1">
+              <a:lnSpc>
+                <a:spcPct val="100000"/>
+              </a:lnSpc>
+              <a:spcBef>
+                <a:spcPct val="20000"/>
+              </a:spcBef>
+              <a:spcAft>
+                <a:spcPct val="0"/>
+              </a:spcAft>
+              <a:buClr>
+                <a:srgbClr val="073482"/>
+              </a:buClr>
+              <a:buSzTx/>
+              <a:buFont typeface="Wingdings" pitchFamily="2" charset="2"/>
+              <a:buChar char="§"/>
+              <a:tabLst/>
+              <a:defRPr/>
+            </a:pPr>
+            <a:r>
+              <a:rPr lang="en-US" altLang="zh-CN" b="0" i="0" kern="0" dirty="0" smtClean="0">
+                <a:solidFill>
+                  <a:schemeClr val="tx1"/>
+                </a:solidFill>
+                <a:latin typeface="+mn-lt"/>
+              </a:rPr>
+              <a:t>Address Space: Information that can be viewed by OPC UA clients</a:t>
+            </a:r>
+          </a:p>
+          <a:p>
+            <a:pPr marL="342900" marR="0" lvl="0" indent="-342900" algn="l" defTabSz="914400" rtl="0" eaLnBrk="1" fontAlgn="base" latinLnBrk="0" hangingPunct="1">
+              <a:lnSpc>
+                <a:spcPct val="100000"/>
+              </a:lnSpc>
+              <a:spcBef>
+                <a:spcPct val="20000"/>
+              </a:spcBef>
+              <a:spcAft>
+                <a:spcPct val="0"/>
+              </a:spcAft>
+              <a:buClr>
+                <a:srgbClr val="073482"/>
+              </a:buClr>
+              <a:buSzTx/>
+              <a:buFont typeface="Wingdings" pitchFamily="2" charset="2"/>
+              <a:buChar char="§"/>
+              <a:tabLst/>
+              <a:defRPr/>
+            </a:pPr>
+            <a:r>
+              <a:rPr lang="en-US" altLang="zh-CN" b="0" i="0" kern="0" noProof="0" dirty="0" smtClean="0">
+                <a:solidFill>
+                  <a:schemeClr val="tx1"/>
+                </a:solidFill>
+                <a:latin typeface="+mn-lt"/>
+              </a:rPr>
+              <a:t>Subscription: Client can subscript particular information</a:t>
+            </a:r>
+          </a:p>
+          <a:p>
+            <a:pPr marL="342900" marR="0" lvl="0" indent="-342900" algn="l" defTabSz="914400" rtl="0" eaLnBrk="1" fontAlgn="base" latinLnBrk="0" hangingPunct="1">
+              <a:lnSpc>
+                <a:spcPct val="100000"/>
+              </a:lnSpc>
+              <a:spcBef>
+                <a:spcPct val="20000"/>
+              </a:spcBef>
+              <a:spcAft>
+                <a:spcPct val="0"/>
+              </a:spcAft>
+              <a:buClr>
+                <a:srgbClr val="073482"/>
+              </a:buClr>
+              <a:buSzTx/>
+              <a:buFont typeface="Wingdings" pitchFamily="2" charset="2"/>
+              <a:buChar char="§"/>
+              <a:tabLst/>
+              <a:defRPr/>
+            </a:pPr>
+            <a:r>
+              <a:rPr lang="en-US" altLang="zh-CN" b="0" i="0" kern="0" dirty="0" smtClean="0">
+                <a:solidFill>
+                  <a:schemeClr val="tx1"/>
+                </a:solidFill>
+                <a:latin typeface="+mn-lt"/>
+              </a:rPr>
+              <a:t>Monitored Item: manage subscripted Nodes.</a:t>
+            </a:r>
+          </a:p>
+          <a:p>
+            <a:pPr marL="342900" marR="0" lvl="0" indent="-342900" algn="l" defTabSz="914400" rtl="0" eaLnBrk="1" fontAlgn="base" latinLnBrk="0" hangingPunct="1">
+              <a:lnSpc>
+                <a:spcPct val="100000"/>
+              </a:lnSpc>
+              <a:spcBef>
+                <a:spcPct val="20000"/>
+              </a:spcBef>
+              <a:spcAft>
+                <a:spcPct val="0"/>
+              </a:spcAft>
+              <a:buClr>
+                <a:srgbClr val="073482"/>
+              </a:buClr>
+              <a:buSzTx/>
+              <a:buFont typeface="Wingdings" pitchFamily="2" charset="2"/>
+              <a:buChar char="§"/>
+              <a:tabLst/>
+              <a:defRPr/>
+            </a:pPr>
+            <a:r>
+              <a:rPr lang="en-US" altLang="zh-CN" b="0" i="0" kern="0" noProof="0" dirty="0" smtClean="0">
+                <a:solidFill>
+                  <a:schemeClr val="tx1"/>
+                </a:solidFill>
+                <a:latin typeface="+mn-lt"/>
+              </a:rPr>
+              <a:t>Server API: Translate Server application instructions</a:t>
+            </a:r>
+          </a:p>
+          <a:p>
+            <a:pPr marL="342900" marR="0" lvl="0" indent="-342900" algn="l" defTabSz="914400" rtl="0" eaLnBrk="1" fontAlgn="base" latinLnBrk="0" hangingPunct="1">
+              <a:lnSpc>
+                <a:spcPct val="100000"/>
+              </a:lnSpc>
+              <a:spcBef>
+                <a:spcPct val="20000"/>
+              </a:spcBef>
+              <a:spcAft>
+                <a:spcPct val="0"/>
+              </a:spcAft>
+              <a:buClr>
+                <a:srgbClr val="073482"/>
+              </a:buClr>
+              <a:buSzTx/>
+              <a:buFont typeface="Wingdings" pitchFamily="2" charset="2"/>
+              <a:buChar char="§"/>
+              <a:tabLst/>
+              <a:defRPr/>
+            </a:pPr>
+            <a:r>
+              <a:rPr lang="en-US" altLang="zh-CN" b="0" i="0" kern="0" dirty="0" smtClean="0">
+                <a:solidFill>
+                  <a:schemeClr val="tx1"/>
+                </a:solidFill>
+                <a:latin typeface="+mn-lt"/>
+              </a:rPr>
+              <a:t>Communication Stack: realize commutation with OPC UA client</a:t>
+            </a:r>
+            <a:endParaRPr lang="en-US" altLang="zh-CN" b="0" i="0" kern="0" noProof="0" dirty="0" smtClean="0">
+              <a:solidFill>
+                <a:schemeClr val="tx1"/>
+              </a:solidFill>
+              <a:latin typeface="+mn-lt"/>
+            </a:endParaRPr>
+          </a:p>
+          <a:p>
+            <a:pPr marL="342900" marR="0" lvl="0" indent="-342900" algn="l" defTabSz="914400" rtl="0" eaLnBrk="1" fontAlgn="base" latinLnBrk="0" hangingPunct="1">
+              <a:lnSpc>
+                <a:spcPct val="100000"/>
+              </a:lnSpc>
+              <a:spcBef>
+                <a:spcPct val="20000"/>
+              </a:spcBef>
+              <a:spcAft>
+                <a:spcPct val="0"/>
+              </a:spcAft>
+              <a:buClr>
+                <a:srgbClr val="073482"/>
+              </a:buClr>
+              <a:buSzTx/>
+              <a:tabLst/>
+              <a:defRPr/>
+            </a:pPr>
+            <a:endParaRPr lang="en-US" altLang="zh-CN" b="0" i="0" kern="0" dirty="0" smtClean="0">
+              <a:solidFill>
+                <a:schemeClr val="tx1"/>
+              </a:solidFill>
+              <a:latin typeface="+mn-lt"/>
+            </a:endParaRPr>
+          </a:p>
+          <a:p>
+            <a:pPr marL="800100" lvl="1" indent="-342900">
+              <a:spcBef>
+                <a:spcPct val="20000"/>
+              </a:spcBef>
+              <a:buClr>
+                <a:srgbClr val="073482"/>
+              </a:buClr>
+            </a:pPr>
+            <a:endParaRPr lang="en-US" altLang="zh-CN" sz="2400" b="0" i="0" kern="0" dirty="0" smtClean="0">
+              <a:solidFill>
+                <a:schemeClr val="tx1"/>
+              </a:solidFill>
+              <a:latin typeface="+mn-lt"/>
+            </a:endParaRPr>
           </a:p>
         </p:txBody>
       </p:sp>
@@ -6582,7 +6741,7 @@
           <a:blip r:embed="rId2" cstate="print">
             <a:extLst>
               <a:ext uri="{28A0092B-C50C-407E-A947-70E740481C1C}">
-                <a14:useLocalDpi xmlns="" xmlns:a14="http://schemas.microsoft.com/office/drawing/2010/main" val="0"/>
+                <a14:useLocalDpi xmlns:a14="http://schemas.microsoft.com/office/drawing/2010/main" xmlns="" val="0"/>
               </a:ext>
             </a:extLst>
           </a:blip>
@@ -6602,7 +6761,7 @@
           <a:noFill/>
           <a:extLst>
             <a:ext uri="{909E8E84-426E-40DD-AFC4-6F175D3DCCD1}">
-              <a14:hiddenFill xmlns="" xmlns:a14="http://schemas.microsoft.com/office/drawing/2010/main">
+              <a14:hiddenFill xmlns:a14="http://schemas.microsoft.com/office/drawing/2010/main" xmlns="">
                 <a:solidFill>
                   <a:srgbClr val="FFFFFF"/>
                 </a:solidFill>
@@ -6635,19 +6794,7 @@
           <a:p>
             <a:r>
               <a:rPr lang="en-US" dirty="0" smtClean="0"/>
-              <a:t>Smart Home = Sensors + Control </a:t>
-            </a:r>
-            <a:r>
-              <a:rPr lang="en-US" dirty="0" smtClean="0"/>
-              <a:t>Device </a:t>
-            </a:r>
-            <a:r>
-              <a:rPr lang="en-US" dirty="0" smtClean="0"/>
-              <a:t>+ </a:t>
-            </a:r>
-            <a:r>
-              <a:rPr lang="en-US" dirty="0" smtClean="0"/>
-              <a:t>Digital Lock + Cell 		Phone</a:t>
+              <a:t>Smart Home = Sensors + Control Device + Digital Lock + Cell 		Phone</a:t>
             </a:r>
             <a:endParaRPr lang="de-DE" dirty="0"/>
           </a:p>
@@ -7076,7 +7223,7 @@
     </p:spTree>
     <p:extLst>
       <p:ext uri="{BB962C8B-B14F-4D97-AF65-F5344CB8AC3E}">
-        <p14:creationId xmlns="" xmlns:p14="http://schemas.microsoft.com/office/powerpoint/2010/main" val="4033009092"/>
+        <p14:creationId xmlns:p14="http://schemas.microsoft.com/office/powerpoint/2010/main" xmlns="" val="4033009092"/>
       </p:ext>
     </p:extLst>
   </p:cSld>
@@ -7344,7 +7491,7 @@
     </p:spTree>
     <p:extLst>
       <p:ext uri="{BB962C8B-B14F-4D97-AF65-F5344CB8AC3E}">
-        <p14:creationId xmlns="" xmlns:p14="http://schemas.microsoft.com/office/powerpoint/2010/main" val="3208899163"/>
+        <p14:creationId xmlns:p14="http://schemas.microsoft.com/office/powerpoint/2010/main" xmlns="" val="3208899163"/>
       </p:ext>
     </p:extLst>
   </p:cSld>
@@ -7484,7 +7631,7 @@
           <a:blip r:embed="rId2" cstate="print">
             <a:extLst>
               <a:ext uri="{28A0092B-C50C-407E-A947-70E740481C1C}">
-                <a14:useLocalDpi xmlns="" xmlns:a14="http://schemas.microsoft.com/office/drawing/2010/main" val="0"/>
+                <a14:useLocalDpi xmlns:a14="http://schemas.microsoft.com/office/drawing/2010/main" xmlns="" val="0"/>
               </a:ext>
             </a:extLst>
           </a:blip>
@@ -7504,7 +7651,7 @@
           <a:noFill/>
           <a:extLst>
             <a:ext uri="{909E8E84-426E-40DD-AFC4-6F175D3DCCD1}">
-              <a14:hiddenFill xmlns="" xmlns:a14="http://schemas.microsoft.com/office/drawing/2010/main">
+              <a14:hiddenFill xmlns:a14="http://schemas.microsoft.com/office/drawing/2010/main" xmlns="">
                 <a:solidFill>
                   <a:srgbClr val="FFFFFF"/>
                 </a:solidFill>
@@ -7583,23 +7730,7 @@
                   <a:schemeClr val="tx1"/>
                 </a:solidFill>
               </a:rPr>
-              <a:t>Manage </a:t>
-            </a:r>
-            <a:r>
-              <a:rPr lang="en-US" altLang="zh-CN" sz="1800" b="0" i="0" kern="0" dirty="0" smtClean="0">
-                <a:solidFill>
-                  <a:schemeClr val="tx1"/>
-                </a:solidFill>
-              </a:rPr>
-              <a:t>real </a:t>
-            </a:r>
-            <a:r>
-              <a:rPr lang="en-US" altLang="zh-CN" sz="1800" b="0" i="0" kern="0" dirty="0" smtClean="0">
-                <a:solidFill>
-                  <a:schemeClr val="tx1"/>
-                </a:solidFill>
-              </a:rPr>
-              <a:t>field device</a:t>
+              <a:t>Manage real field device</a:t>
             </a:r>
           </a:p>
           <a:p>
@@ -7620,21 +7751,8 @@
                   <a:schemeClr val="tx1"/>
                 </a:solidFill>
               </a:rPr>
-              <a:t>Process </a:t>
-            </a:r>
-            <a:r>
-              <a:rPr lang="en-US" altLang="zh-CN" sz="1800" b="0" i="0" kern="0" dirty="0" smtClean="0">
-                <a:solidFill>
-                  <a:schemeClr val="tx1"/>
-                </a:solidFill>
-              </a:rPr>
-              <a:t>command/configuration from client</a:t>
-            </a:r>
-            <a:endParaRPr lang="en-US" altLang="zh-CN" sz="1800" b="0" i="0" kern="0" dirty="0" smtClean="0">
-              <a:solidFill>
-                <a:schemeClr val="tx1"/>
-              </a:solidFill>
-            </a:endParaRPr>
+              <a:t>Process command/configuration from client</a:t>
+            </a:r>
           </a:p>
           <a:p>
             <a:pPr marL="800100" lvl="1" indent="-342900">
@@ -7654,23 +7772,7 @@
                   <a:schemeClr val="tx1"/>
                 </a:solidFill>
               </a:rPr>
-              <a:t>Publish notification based on </a:t>
-            </a:r>
-            <a:r>
-              <a:rPr lang="en-US" altLang="zh-CN" sz="1800" b="0" i="0" kern="0" dirty="0" smtClean="0">
-                <a:solidFill>
-                  <a:schemeClr val="tx1"/>
-                </a:solidFill>
-              </a:rPr>
-              <a:t>corresponding </a:t>
-            </a:r>
-            <a:r>
-              <a:rPr lang="en-US" altLang="zh-CN" sz="1800" b="0" i="0" kern="0" dirty="0" smtClean="0">
-                <a:solidFill>
-                  <a:schemeClr val="tx1"/>
-                </a:solidFill>
-              </a:rPr>
-              <a:t>subscription</a:t>
+              <a:t>Publish notification based on corresponding subscription</a:t>
             </a:r>
             <a:endParaRPr lang="en-US" altLang="zh-CN" sz="1800" b="0" i="0" kern="0" dirty="0">
               <a:solidFill>
@@ -7704,7 +7806,7 @@
     </p:spTree>
     <p:extLst>
       <p:ext uri="{BB962C8B-B14F-4D97-AF65-F5344CB8AC3E}">
-        <p14:creationId xmlns="" xmlns:p14="http://schemas.microsoft.com/office/powerpoint/2010/main" val="2869239699"/>
+        <p14:creationId xmlns:p14="http://schemas.microsoft.com/office/powerpoint/2010/main" xmlns="" val="2869239699"/>
       </p:ext>
     </p:extLst>
   </p:cSld>
@@ -7844,7 +7946,7 @@
           <a:blip r:embed="rId2" cstate="print">
             <a:extLst>
               <a:ext uri="{28A0092B-C50C-407E-A947-70E740481C1C}">
-                <a14:useLocalDpi xmlns="" xmlns:a14="http://schemas.microsoft.com/office/drawing/2010/main" val="0"/>
+                <a14:useLocalDpi xmlns:a14="http://schemas.microsoft.com/office/drawing/2010/main" xmlns="" val="0"/>
               </a:ext>
             </a:extLst>
           </a:blip>
@@ -7864,7 +7966,7 @@
           <a:noFill/>
           <a:extLst>
             <a:ext uri="{909E8E84-426E-40DD-AFC4-6F175D3DCCD1}">
-              <a14:hiddenFill xmlns="" xmlns:a14="http://schemas.microsoft.com/office/drawing/2010/main">
+              <a14:hiddenFill xmlns:a14="http://schemas.microsoft.com/office/drawing/2010/main" xmlns="">
                 <a:solidFill>
                   <a:srgbClr val="FFFFFF"/>
                 </a:solidFill>
@@ -7943,15 +8045,7 @@
                   <a:schemeClr val="tx1"/>
                 </a:solidFill>
               </a:rPr>
-              <a:t>Send </a:t>
-            </a:r>
-            <a:r>
-              <a:rPr lang="en-US" altLang="zh-CN" sz="1800" b="0" i="0" kern="0" dirty="0" smtClean="0">
-                <a:solidFill>
-                  <a:schemeClr val="tx1"/>
-                </a:solidFill>
-              </a:rPr>
-              <a:t>command/configuration data to server</a:t>
+              <a:t>Send command/configuration data to server</a:t>
             </a:r>
           </a:p>
           <a:p>
@@ -8032,7 +8126,7 @@
     </p:spTree>
     <p:extLst>
       <p:ext uri="{BB962C8B-B14F-4D97-AF65-F5344CB8AC3E}">
-        <p14:creationId xmlns="" xmlns:p14="http://schemas.microsoft.com/office/powerpoint/2010/main" val="2958167277"/>
+        <p14:creationId xmlns:p14="http://schemas.microsoft.com/office/powerpoint/2010/main" xmlns="" val="2958167277"/>
       </p:ext>
     </p:extLst>
   </p:cSld>
@@ -8172,7 +8266,7 @@
           <a:blip r:embed="rId2" cstate="print">
             <a:extLst>
               <a:ext uri="{28A0092B-C50C-407E-A947-70E740481C1C}">
-                <a14:useLocalDpi xmlns="" xmlns:a14="http://schemas.microsoft.com/office/drawing/2010/main" val="0"/>
+                <a14:useLocalDpi xmlns:a14="http://schemas.microsoft.com/office/drawing/2010/main" xmlns="" val="0"/>
               </a:ext>
             </a:extLst>
           </a:blip>
@@ -8196,14 +8290,14 @@
           <a:effectLst/>
           <a:extLst>
             <a:ext uri="{909E8E84-426E-40DD-AFC4-6F175D3DCCD1}">
-              <a14:hiddenFill xmlns="" xmlns:a14="http://schemas.microsoft.com/office/drawing/2010/main">
+              <a14:hiddenFill xmlns:a14="http://schemas.microsoft.com/office/drawing/2010/main" xmlns="">
                 <a:solidFill>
                   <a:schemeClr val="accent1"/>
                 </a:solidFill>
               </a14:hiddenFill>
             </a:ext>
             <a:ext uri="{91240B29-F687-4F45-9708-019B960494DF}">
-              <a14:hiddenLine xmlns="" xmlns:a14="http://schemas.microsoft.com/office/drawing/2010/main" w="9525">
+              <a14:hiddenLine xmlns:a14="http://schemas.microsoft.com/office/drawing/2010/main" xmlns="" w="9525">
                 <a:solidFill>
                   <a:schemeClr val="tx1"/>
                 </a:solidFill>
@@ -8213,7 +8307,7 @@
               </a14:hiddenLine>
             </a:ext>
             <a:ext uri="{AF507438-7753-43E0-B8FC-AC1667EBCBE1}">
-              <a14:hiddenEffects xmlns="" xmlns:a14="http://schemas.microsoft.com/office/drawing/2010/main">
+              <a14:hiddenEffects xmlns:a14="http://schemas.microsoft.com/office/drawing/2010/main" xmlns="">
                 <a:effectLst>
                   <a:outerShdw dist="35921" dir="2700000" algn="ctr" rotWithShape="0">
                     <a:schemeClr val="bg2"/>
@@ -8227,7 +8321,7 @@
     </p:spTree>
     <p:extLst>
       <p:ext uri="{BB962C8B-B14F-4D97-AF65-F5344CB8AC3E}">
-        <p14:creationId xmlns="" xmlns:p14="http://schemas.microsoft.com/office/powerpoint/2010/main" val="1005707622"/>
+        <p14:creationId xmlns:p14="http://schemas.microsoft.com/office/powerpoint/2010/main" xmlns="" val="1005707622"/>
       </p:ext>
     </p:extLst>
   </p:cSld>

--- a/trunk/ppt/6-18/Yuankui Wang Presentation 18 06.pptx
+++ b/trunk/ppt/6-18/Yuankui Wang Presentation 18 06.pptx
@@ -383,7 +383,7 @@
     </p:spTree>
     <p:extLst>
       <p:ext uri="{BB962C8B-B14F-4D97-AF65-F5344CB8AC3E}">
-        <p14:creationId xmlns:p14="http://schemas.microsoft.com/office/powerpoint/2010/main" xmlns="" val="3154177043"/>
+        <p14:creationId xmlns="" xmlns:p14="http://schemas.microsoft.com/office/powerpoint/2010/main" val="3154177043"/>
       </p:ext>
     </p:extLst>
   </p:cSld>
@@ -712,7 +712,7 @@
     </p:spTree>
     <p:extLst>
       <p:ext uri="{BB962C8B-B14F-4D97-AF65-F5344CB8AC3E}">
-        <p14:creationId xmlns:p14="http://schemas.microsoft.com/office/powerpoint/2010/main" xmlns="" val="1086099381"/>
+        <p14:creationId xmlns="" xmlns:p14="http://schemas.microsoft.com/office/powerpoint/2010/main" val="1086099381"/>
       </p:ext>
     </p:extLst>
   </p:cSld>
@@ -3282,7 +3282,7 @@
           <a:blip r:embed="rId2" cstate="print">
             <a:extLst>
               <a:ext uri="{28A0092B-C50C-407E-A947-70E740481C1C}">
-                <a14:useLocalDpi xmlns:a14="http://schemas.microsoft.com/office/drawing/2010/main" xmlns="" val="0"/>
+                <a14:useLocalDpi xmlns="" xmlns:a14="http://schemas.microsoft.com/office/drawing/2010/main" val="0"/>
               </a:ext>
             </a:extLst>
           </a:blip>
@@ -3306,14 +3306,14 @@
           <a:effectLst/>
           <a:extLst>
             <a:ext uri="{909E8E84-426E-40DD-AFC4-6F175D3DCCD1}">
-              <a14:hiddenFill xmlns:a14="http://schemas.microsoft.com/office/drawing/2010/main" xmlns="">
+              <a14:hiddenFill xmlns="" xmlns:a14="http://schemas.microsoft.com/office/drawing/2010/main">
                 <a:solidFill>
                   <a:schemeClr val="accent1"/>
                 </a:solidFill>
               </a14:hiddenFill>
             </a:ext>
             <a:ext uri="{91240B29-F687-4F45-9708-019B960494DF}">
-              <a14:hiddenLine xmlns:a14="http://schemas.microsoft.com/office/drawing/2010/main" xmlns="" w="9525">
+              <a14:hiddenLine xmlns="" xmlns:a14="http://schemas.microsoft.com/office/drawing/2010/main" w="9525">
                 <a:solidFill>
                   <a:schemeClr val="tx1"/>
                 </a:solidFill>
@@ -3323,7 +3323,7 @@
               </a14:hiddenLine>
             </a:ext>
             <a:ext uri="{AF507438-7753-43E0-B8FC-AC1667EBCBE1}">
-              <a14:hiddenEffects xmlns:a14="http://schemas.microsoft.com/office/drawing/2010/main" xmlns="">
+              <a14:hiddenEffects xmlns="" xmlns:a14="http://schemas.microsoft.com/office/drawing/2010/main">
                 <a:effectLst>
                   <a:outerShdw dist="35921" dir="2700000" algn="ctr" rotWithShape="0">
                     <a:schemeClr val="bg2"/>
@@ -3337,7 +3337,7 @@
     </p:spTree>
     <p:extLst>
       <p:ext uri="{BB962C8B-B14F-4D97-AF65-F5344CB8AC3E}">
-        <p14:creationId xmlns:p14="http://schemas.microsoft.com/office/powerpoint/2010/main" xmlns="" val="1907538874"/>
+        <p14:creationId xmlns="" xmlns:p14="http://schemas.microsoft.com/office/powerpoint/2010/main" val="1907538874"/>
       </p:ext>
     </p:extLst>
   </p:cSld>
@@ -3481,7 +3481,7 @@
           <a:blip r:embed="rId2" cstate="print">
             <a:extLst>
               <a:ext uri="{28A0092B-C50C-407E-A947-70E740481C1C}">
-                <a14:useLocalDpi xmlns:a14="http://schemas.microsoft.com/office/drawing/2010/main" xmlns="" val="0"/>
+                <a14:useLocalDpi xmlns="" xmlns:a14="http://schemas.microsoft.com/office/drawing/2010/main" val="0"/>
               </a:ext>
             </a:extLst>
           </a:blip>
@@ -3505,14 +3505,14 @@
           <a:effectLst/>
           <a:extLst>
             <a:ext uri="{909E8E84-426E-40DD-AFC4-6F175D3DCCD1}">
-              <a14:hiddenFill xmlns:a14="http://schemas.microsoft.com/office/drawing/2010/main" xmlns="">
+              <a14:hiddenFill xmlns="" xmlns:a14="http://schemas.microsoft.com/office/drawing/2010/main">
                 <a:solidFill>
                   <a:schemeClr val="accent1"/>
                 </a:solidFill>
               </a14:hiddenFill>
             </a:ext>
             <a:ext uri="{91240B29-F687-4F45-9708-019B960494DF}">
-              <a14:hiddenLine xmlns:a14="http://schemas.microsoft.com/office/drawing/2010/main" xmlns="" w="9525">
+              <a14:hiddenLine xmlns="" xmlns:a14="http://schemas.microsoft.com/office/drawing/2010/main" w="9525">
                 <a:solidFill>
                   <a:schemeClr val="tx1"/>
                 </a:solidFill>
@@ -3522,7 +3522,7 @@
               </a14:hiddenLine>
             </a:ext>
             <a:ext uri="{AF507438-7753-43E0-B8FC-AC1667EBCBE1}">
-              <a14:hiddenEffects xmlns:a14="http://schemas.microsoft.com/office/drawing/2010/main" xmlns="">
+              <a14:hiddenEffects xmlns="" xmlns:a14="http://schemas.microsoft.com/office/drawing/2010/main">
                 <a:effectLst>
                   <a:outerShdw dist="35921" dir="2700000" algn="ctr" rotWithShape="0">
                     <a:schemeClr val="bg2"/>
@@ -3536,7 +3536,7 @@
     </p:spTree>
     <p:extLst>
       <p:ext uri="{BB962C8B-B14F-4D97-AF65-F5344CB8AC3E}">
-        <p14:creationId xmlns:p14="http://schemas.microsoft.com/office/powerpoint/2010/main" xmlns="" val="2764248952"/>
+        <p14:creationId xmlns="" xmlns:p14="http://schemas.microsoft.com/office/powerpoint/2010/main" val="2764248952"/>
       </p:ext>
     </p:extLst>
   </p:cSld>
@@ -3622,7 +3622,15 @@
           <a:p>
             <a:r>
               <a:rPr lang="en-GB" altLang="zh-CN" dirty="0" smtClean="0"/>
-              <a:t>Combine aforementioned technologies to build a remote control infrastructure to benefit users with mobility and security services </a:t>
+              <a:t>Combine aforementioned technologies </a:t>
+            </a:r>
+            <a:r>
+              <a:rPr lang="en-GB" altLang="zh-CN" dirty="0" smtClean="0"/>
+              <a:t>together to </a:t>
+            </a:r>
+            <a:r>
+              <a:rPr lang="en-GB" altLang="zh-CN" dirty="0" smtClean="0"/>
+              <a:t>build a remote control infrastructure to benefit users with mobility and security services </a:t>
             </a:r>
           </a:p>
           <a:p>
@@ -3777,12 +3785,17 @@
           <a:p>
             <a:r>
               <a:rPr lang="en-US" altLang="zh-CN" dirty="0" smtClean="0"/>
-              <a:t>System security </a:t>
+              <a:t>System security and performance </a:t>
             </a:r>
             <a:r>
               <a:rPr lang="en-US" altLang="zh-CN" dirty="0" smtClean="0"/>
-              <a:t>and performance analysis</a:t>
-            </a:r>
+              <a:t>analysis based on implementation </a:t>
+            </a:r>
+            <a:r>
+              <a:rPr lang="en-US" altLang="zh-CN" dirty="0" err="1" smtClean="0"/>
+              <a:t>secnario</a:t>
+            </a:r>
+            <a:endParaRPr lang="en-US" altLang="zh-CN" dirty="0" smtClean="0"/>
           </a:p>
           <a:p>
             <a:pPr lvl="1"/>
@@ -3806,13 +3819,8 @@
             <a:pPr lvl="1"/>
             <a:r>
               <a:rPr lang="en-US" altLang="zh-CN" dirty="0" smtClean="0"/>
-              <a:t>claim </a:t>
-            </a:r>
-            <a:r>
-              <a:rPr lang="en-US" altLang="zh-CN" dirty="0" smtClean="0"/>
-              <a:t>corresponding countermeasures</a:t>
-            </a:r>
-            <a:endParaRPr lang="en-US" altLang="zh-CN" dirty="0" smtClean="0"/>
+              <a:t>claim corresponding countermeasures</a:t>
+            </a:r>
           </a:p>
           <a:p>
             <a:pPr lvl="1"/>
@@ -3921,7 +3929,7 @@
     </p:spTree>
     <p:extLst>
       <p:ext uri="{BB962C8B-B14F-4D97-AF65-F5344CB8AC3E}">
-        <p14:creationId xmlns:p14="http://schemas.microsoft.com/office/powerpoint/2010/main" xmlns="" val="801672563"/>
+        <p14:creationId xmlns="" xmlns:p14="http://schemas.microsoft.com/office/powerpoint/2010/main" val="801672563"/>
       </p:ext>
     </p:extLst>
   </p:cSld>
@@ -3995,11 +4003,7 @@
           <a:p>
             <a:r>
               <a:rPr lang="en-US" altLang="zh-CN" dirty="0" smtClean="0"/>
-              <a:t>Develop </a:t>
-            </a:r>
-            <a:r>
-              <a:rPr lang="en-US" altLang="zh-CN" dirty="0" smtClean="0"/>
-              <a:t>OPC UA standard satisfying communication stack on UICC smart card as Java Card Applet</a:t>
+              <a:t>Develop OPC UA standard satisfying communication stack on UICC smart card as Java Card Applet</a:t>
             </a:r>
           </a:p>
           <a:p>
@@ -4021,13 +4025,8 @@
             <a:pPr lvl="1"/>
             <a:r>
               <a:rPr lang="en-US" altLang="zh-CN" dirty="0" smtClean="0"/>
-              <a:t>Realize secure communication between </a:t>
-            </a:r>
-            <a:r>
-              <a:rPr lang="en-US" altLang="zh-CN" dirty="0" smtClean="0"/>
-              <a:t>client/server</a:t>
-            </a:r>
-            <a:endParaRPr lang="en-US" altLang="zh-CN" dirty="0" smtClean="0"/>
+              <a:t>Realize secure communication between client/server</a:t>
+            </a:r>
           </a:p>
           <a:p>
             <a:pPr lvl="1"/>
@@ -4061,7 +4060,6 @@
               <a:rPr lang="en-US" altLang="zh-CN" dirty="0" smtClean="0"/>
               <a:t>With the help of demo code provided by OPC Foundation to simulate OPC UA client/server application code. </a:t>
             </a:r>
-            <a:endParaRPr lang="en-US" altLang="zh-CN" dirty="0" smtClean="0"/>
           </a:p>
           <a:p>
             <a:r>
@@ -4196,11 +4194,7 @@
           <a:p>
             <a:r>
               <a:rPr lang="en-US" altLang="zh-CN" dirty="0" smtClean="0"/>
-              <a:t>Implementation </a:t>
-            </a:r>
-            <a:r>
-              <a:rPr lang="en-US" altLang="zh-CN" dirty="0" smtClean="0"/>
-              <a:t>Tools</a:t>
+              <a:t>Implementation Tools</a:t>
             </a:r>
             <a:endParaRPr lang="zh-CN" altLang="en-US" dirty="0"/>
           </a:p>
@@ -4230,8 +4224,20 @@
             <a:pPr lvl="1"/>
             <a:r>
               <a:rPr lang="en-US" altLang="zh-CN" dirty="0" smtClean="0"/>
-              <a:t>Test case/ scenario </a:t>
-            </a:r>
+              <a:t>Test </a:t>
+            </a:r>
+            <a:r>
+              <a:rPr lang="en-US" altLang="zh-CN" dirty="0" smtClean="0"/>
+              <a:t>case creation</a:t>
+            </a:r>
+          </a:p>
+          <a:p>
+            <a:pPr lvl="1"/>
+            <a:r>
+              <a:rPr lang="en-GB" altLang="zh-CN" dirty="0" smtClean="0"/>
+              <a:t>Communication parties simulation</a:t>
+            </a:r>
+            <a:endParaRPr lang="en-US" altLang="zh-CN" dirty="0" smtClean="0"/>
           </a:p>
           <a:p>
             <a:r>
@@ -4243,8 +4249,8 @@
               <a:t> =  Java Card Applet development </a:t>
             </a:r>
             <a:r>
-              <a:rPr lang="en-US" altLang="zh-CN" dirty="0" err="1" smtClean="0"/>
-              <a:t>enviornment</a:t>
+              <a:rPr lang="en-US" altLang="zh-CN" dirty="0" smtClean="0"/>
+              <a:t>environment</a:t>
             </a:r>
             <a:endParaRPr lang="en-US" altLang="zh-CN" dirty="0" smtClean="0"/>
           </a:p>
@@ -4275,7 +4281,11 @@
           <a:p>
             <a:r>
               <a:rPr lang="en-US" altLang="zh-CN" dirty="0" err="1" smtClean="0"/>
-              <a:t>ICardreader</a:t>
+              <a:t>i</a:t>
+            </a:r>
+            <a:r>
+              <a:rPr lang="en-US" altLang="zh-CN" dirty="0" err="1" smtClean="0"/>
+              <a:t>Cardreader</a:t>
             </a:r>
             <a:endParaRPr lang="en-US" altLang="zh-CN" dirty="0" smtClean="0"/>
           </a:p>
@@ -4291,12 +4301,20 @@
               <a:buNone/>
             </a:pPr>
             <a:r>
-              <a:rPr lang="en-US" altLang="zh-CN" dirty="0"/>
+              <a:rPr lang="en-US" altLang="zh-CN"/>
               <a:t> </a:t>
             </a:r>
             <a:r>
+              <a:rPr lang="en-US" altLang="zh-CN" smtClean="0"/>
+              <a:t>   </a:t>
+            </a:r>
+            <a:r>
+              <a:rPr lang="en-US" altLang="zh-CN" smtClean="0"/>
+              <a:t>between </a:t>
+            </a:r>
+            <a:r>
               <a:rPr lang="en-US" altLang="zh-CN" dirty="0" smtClean="0"/>
-              <a:t>             between card and terminal</a:t>
+              <a:t>card and terminal</a:t>
             </a:r>
           </a:p>
           <a:p>
@@ -4418,7 +4436,7 @@
           <a:blip r:embed="rId2" cstate="print">
             <a:extLst>
               <a:ext uri="{28A0092B-C50C-407E-A947-70E740481C1C}">
-                <a14:useLocalDpi xmlns:a14="http://schemas.microsoft.com/office/drawing/2010/main" xmlns="" val="0"/>
+                <a14:useLocalDpi xmlns="" xmlns:a14="http://schemas.microsoft.com/office/drawing/2010/main" val="0"/>
               </a:ext>
             </a:extLst>
           </a:blip>
@@ -4442,14 +4460,14 @@
           <a:effectLst/>
           <a:extLst>
             <a:ext uri="{909E8E84-426E-40DD-AFC4-6F175D3DCCD1}">
-              <a14:hiddenFill xmlns:a14="http://schemas.microsoft.com/office/drawing/2010/main" xmlns="">
+              <a14:hiddenFill xmlns="" xmlns:a14="http://schemas.microsoft.com/office/drawing/2010/main">
                 <a:solidFill>
                   <a:schemeClr val="accent1"/>
                 </a:solidFill>
               </a14:hiddenFill>
             </a:ext>
             <a:ext uri="{91240B29-F687-4F45-9708-019B960494DF}">
-              <a14:hiddenLine xmlns:a14="http://schemas.microsoft.com/office/drawing/2010/main" xmlns="" w="9525">
+              <a14:hiddenLine xmlns="" xmlns:a14="http://schemas.microsoft.com/office/drawing/2010/main" w="9525">
                 <a:solidFill>
                   <a:schemeClr val="tx1"/>
                 </a:solidFill>
@@ -4459,7 +4477,7 @@
               </a14:hiddenLine>
             </a:ext>
             <a:ext uri="{AF507438-7753-43E0-B8FC-AC1667EBCBE1}">
-              <a14:hiddenEffects xmlns:a14="http://schemas.microsoft.com/office/drawing/2010/main" xmlns="">
+              <a14:hiddenEffects xmlns="" xmlns:a14="http://schemas.microsoft.com/office/drawing/2010/main">
                 <a:effectLst>
                   <a:outerShdw dist="35921" dir="2700000" algn="ctr" rotWithShape="0">
                     <a:schemeClr val="bg2"/>
@@ -4473,7 +4491,7 @@
     </p:spTree>
     <p:extLst>
       <p:ext uri="{BB962C8B-B14F-4D97-AF65-F5344CB8AC3E}">
-        <p14:creationId xmlns:p14="http://schemas.microsoft.com/office/powerpoint/2010/main" xmlns="" val="393107339"/>
+        <p14:creationId xmlns="" xmlns:p14="http://schemas.microsoft.com/office/powerpoint/2010/main" val="393107339"/>
       </p:ext>
     </p:extLst>
   </p:cSld>
@@ -5659,8 +5677,19 @@
           <a:p>
             <a:r>
               <a:rPr lang="en-US" altLang="zh-CN" dirty="0" smtClean="0"/>
-              <a:t>Implementation Details</a:t>
-            </a:r>
+              <a:t>Implementation </a:t>
+            </a:r>
+            <a:r>
+              <a:rPr lang="en-US" altLang="zh-CN" dirty="0" smtClean="0"/>
+              <a:t>Details</a:t>
+            </a:r>
+          </a:p>
+          <a:p>
+            <a:r>
+              <a:rPr lang="en-GB" altLang="zh-CN" dirty="0" smtClean="0"/>
+              <a:t>Implementation Tools</a:t>
+            </a:r>
+            <a:endParaRPr lang="en-US" altLang="zh-CN" dirty="0" smtClean="0"/>
           </a:p>
           <a:p>
             <a:r>
@@ -6741,7 +6770,7 @@
           <a:blip r:embed="rId2" cstate="print">
             <a:extLst>
               <a:ext uri="{28A0092B-C50C-407E-A947-70E740481C1C}">
-                <a14:useLocalDpi xmlns:a14="http://schemas.microsoft.com/office/drawing/2010/main" xmlns="" val="0"/>
+                <a14:useLocalDpi xmlns="" xmlns:a14="http://schemas.microsoft.com/office/drawing/2010/main" val="0"/>
               </a:ext>
             </a:extLst>
           </a:blip>
@@ -6761,7 +6790,7 @@
           <a:noFill/>
           <a:extLst>
             <a:ext uri="{909E8E84-426E-40DD-AFC4-6F175D3DCCD1}">
-              <a14:hiddenFill xmlns:a14="http://schemas.microsoft.com/office/drawing/2010/main" xmlns="">
+              <a14:hiddenFill xmlns="" xmlns:a14="http://schemas.microsoft.com/office/drawing/2010/main">
                 <a:solidFill>
                   <a:srgbClr val="FFFFFF"/>
                 </a:solidFill>
@@ -7223,7 +7252,7 @@
     </p:spTree>
     <p:extLst>
       <p:ext uri="{BB962C8B-B14F-4D97-AF65-F5344CB8AC3E}">
-        <p14:creationId xmlns:p14="http://schemas.microsoft.com/office/powerpoint/2010/main" xmlns="" val="4033009092"/>
+        <p14:creationId xmlns="" xmlns:p14="http://schemas.microsoft.com/office/powerpoint/2010/main" val="4033009092"/>
       </p:ext>
     </p:extLst>
   </p:cSld>
@@ -7491,7 +7520,7 @@
     </p:spTree>
     <p:extLst>
       <p:ext uri="{BB962C8B-B14F-4D97-AF65-F5344CB8AC3E}">
-        <p14:creationId xmlns:p14="http://schemas.microsoft.com/office/powerpoint/2010/main" xmlns="" val="3208899163"/>
+        <p14:creationId xmlns="" xmlns:p14="http://schemas.microsoft.com/office/powerpoint/2010/main" val="3208899163"/>
       </p:ext>
     </p:extLst>
   </p:cSld>
@@ -7631,7 +7660,7 @@
           <a:blip r:embed="rId2" cstate="print">
             <a:extLst>
               <a:ext uri="{28A0092B-C50C-407E-A947-70E740481C1C}">
-                <a14:useLocalDpi xmlns:a14="http://schemas.microsoft.com/office/drawing/2010/main" xmlns="" val="0"/>
+                <a14:useLocalDpi xmlns="" xmlns:a14="http://schemas.microsoft.com/office/drawing/2010/main" val="0"/>
               </a:ext>
             </a:extLst>
           </a:blip>
@@ -7651,7 +7680,7 @@
           <a:noFill/>
           <a:extLst>
             <a:ext uri="{909E8E84-426E-40DD-AFC4-6F175D3DCCD1}">
-              <a14:hiddenFill xmlns:a14="http://schemas.microsoft.com/office/drawing/2010/main" xmlns="">
+              <a14:hiddenFill xmlns="" xmlns:a14="http://schemas.microsoft.com/office/drawing/2010/main">
                 <a:solidFill>
                   <a:srgbClr val="FFFFFF"/>
                 </a:solidFill>
@@ -7806,7 +7835,7 @@
     </p:spTree>
     <p:extLst>
       <p:ext uri="{BB962C8B-B14F-4D97-AF65-F5344CB8AC3E}">
-        <p14:creationId xmlns:p14="http://schemas.microsoft.com/office/powerpoint/2010/main" xmlns="" val="2869239699"/>
+        <p14:creationId xmlns="" xmlns:p14="http://schemas.microsoft.com/office/powerpoint/2010/main" val="2869239699"/>
       </p:ext>
     </p:extLst>
   </p:cSld>
@@ -7946,7 +7975,7 @@
           <a:blip r:embed="rId2" cstate="print">
             <a:extLst>
               <a:ext uri="{28A0092B-C50C-407E-A947-70E740481C1C}">
-                <a14:useLocalDpi xmlns:a14="http://schemas.microsoft.com/office/drawing/2010/main" xmlns="" val="0"/>
+                <a14:useLocalDpi xmlns="" xmlns:a14="http://schemas.microsoft.com/office/drawing/2010/main" val="0"/>
               </a:ext>
             </a:extLst>
           </a:blip>
@@ -7966,7 +7995,7 @@
           <a:noFill/>
           <a:extLst>
             <a:ext uri="{909E8E84-426E-40DD-AFC4-6F175D3DCCD1}">
-              <a14:hiddenFill xmlns:a14="http://schemas.microsoft.com/office/drawing/2010/main" xmlns="">
+              <a14:hiddenFill xmlns="" xmlns:a14="http://schemas.microsoft.com/office/drawing/2010/main">
                 <a:solidFill>
                   <a:srgbClr val="FFFFFF"/>
                 </a:solidFill>
@@ -8126,7 +8155,7 @@
     </p:spTree>
     <p:extLst>
       <p:ext uri="{BB962C8B-B14F-4D97-AF65-F5344CB8AC3E}">
-        <p14:creationId xmlns:p14="http://schemas.microsoft.com/office/powerpoint/2010/main" xmlns="" val="2958167277"/>
+        <p14:creationId xmlns="" xmlns:p14="http://schemas.microsoft.com/office/powerpoint/2010/main" val="2958167277"/>
       </p:ext>
     </p:extLst>
   </p:cSld>
@@ -8266,7 +8295,7 @@
           <a:blip r:embed="rId2" cstate="print">
             <a:extLst>
               <a:ext uri="{28A0092B-C50C-407E-A947-70E740481C1C}">
-                <a14:useLocalDpi xmlns:a14="http://schemas.microsoft.com/office/drawing/2010/main" xmlns="" val="0"/>
+                <a14:useLocalDpi xmlns="" xmlns:a14="http://schemas.microsoft.com/office/drawing/2010/main" val="0"/>
               </a:ext>
             </a:extLst>
           </a:blip>
@@ -8290,14 +8319,14 @@
           <a:effectLst/>
           <a:extLst>
             <a:ext uri="{909E8E84-426E-40DD-AFC4-6F175D3DCCD1}">
-              <a14:hiddenFill xmlns:a14="http://schemas.microsoft.com/office/drawing/2010/main" xmlns="">
+              <a14:hiddenFill xmlns="" xmlns:a14="http://schemas.microsoft.com/office/drawing/2010/main">
                 <a:solidFill>
                   <a:schemeClr val="accent1"/>
                 </a:solidFill>
               </a14:hiddenFill>
             </a:ext>
             <a:ext uri="{91240B29-F687-4F45-9708-019B960494DF}">
-              <a14:hiddenLine xmlns:a14="http://schemas.microsoft.com/office/drawing/2010/main" xmlns="" w="9525">
+              <a14:hiddenLine xmlns="" xmlns:a14="http://schemas.microsoft.com/office/drawing/2010/main" w="9525">
                 <a:solidFill>
                   <a:schemeClr val="tx1"/>
                 </a:solidFill>
@@ -8307,7 +8336,7 @@
               </a14:hiddenLine>
             </a:ext>
             <a:ext uri="{AF507438-7753-43E0-B8FC-AC1667EBCBE1}">
-              <a14:hiddenEffects xmlns:a14="http://schemas.microsoft.com/office/drawing/2010/main" xmlns="">
+              <a14:hiddenEffects xmlns="" xmlns:a14="http://schemas.microsoft.com/office/drawing/2010/main">
                 <a:effectLst>
                   <a:outerShdw dist="35921" dir="2700000" algn="ctr" rotWithShape="0">
                     <a:schemeClr val="bg2"/>
@@ -8321,7 +8350,7 @@
     </p:spTree>
     <p:extLst>
       <p:ext uri="{BB962C8B-B14F-4D97-AF65-F5344CB8AC3E}">
-        <p14:creationId xmlns:p14="http://schemas.microsoft.com/office/powerpoint/2010/main" xmlns="" val="1005707622"/>
+        <p14:creationId xmlns="" xmlns:p14="http://schemas.microsoft.com/office/powerpoint/2010/main" val="1005707622"/>
       </p:ext>
     </p:extLst>
   </p:cSld>

--- a/trunk/ppt/6-18/Yuankui Wang Presentation 18 06.pptx
+++ b/trunk/ppt/6-18/Yuankui Wang Presentation 18 06.pptx
@@ -374,7 +374,7 @@
             <a:fld id="{CC3F8750-1AA1-48A5-A8C8-B89366636632}" type="slidenum">
               <a:rPr lang="de-DE" altLang="zh-CN"/>
               <a:pPr/>
-              <a:t>‹#›</a:t>
+              <a:t>‹Nr.›</a:t>
             </a:fld>
             <a:endParaRPr lang="de-DE" altLang="zh-CN"/>
           </a:p>
@@ -383,7 +383,7 @@
     </p:spTree>
     <p:extLst>
       <p:ext uri="{BB962C8B-B14F-4D97-AF65-F5344CB8AC3E}">
-        <p14:creationId xmlns="" xmlns:p14="http://schemas.microsoft.com/office/powerpoint/2010/main" val="3154177043"/>
+        <p14:creationId xmlns:p14="http://schemas.microsoft.com/office/powerpoint/2010/main" val="3154177043"/>
       </p:ext>
     </p:extLst>
   </p:cSld>
@@ -703,7 +703,7 @@
             <a:fld id="{DF6BEE96-3C94-4F18-B92D-0490DFD7A472}" type="slidenum">
               <a:rPr lang="de-DE" altLang="zh-CN"/>
               <a:pPr/>
-              <a:t>‹#›</a:t>
+              <a:t>‹Nr.›</a:t>
             </a:fld>
             <a:endParaRPr lang="de-DE" altLang="zh-CN"/>
           </a:p>
@@ -712,7 +712,7 @@
     </p:spTree>
     <p:extLst>
       <p:ext uri="{BB962C8B-B14F-4D97-AF65-F5344CB8AC3E}">
-        <p14:creationId xmlns="" xmlns:p14="http://schemas.microsoft.com/office/powerpoint/2010/main" val="1086099381"/>
+        <p14:creationId xmlns:p14="http://schemas.microsoft.com/office/powerpoint/2010/main" val="1086099381"/>
       </p:ext>
     </p:extLst>
   </p:cSld>
@@ -1080,7 +1080,7 @@
             <a:fld id="{56F1C4B0-B01D-4E3E-868E-1A3AEF893EE8}" type="slidenum">
               <a:rPr lang="en-US"/>
               <a:pPr/>
-              <a:t>‹#›</a:t>
+              <a:t>‹Nr.›</a:t>
             </a:fld>
             <a:endParaRPr lang="en-US"/>
           </a:p>
@@ -1494,7 +1494,7 @@
             <a:fld id="{FAF38CBB-378C-4311-BC9A-BAB83E9729AD}" type="slidenum">
               <a:rPr lang="en-US"/>
               <a:pPr/>
-              <a:t>‹#›</a:t>
+              <a:t>‹Nr.›</a:t>
             </a:fld>
             <a:endParaRPr lang="en-US"/>
           </a:p>
@@ -1942,7 +1942,7 @@
             <a:fld id="{9DF0B80C-AC1E-488D-89EA-02AEDD3013AE}" type="slidenum">
               <a:rPr lang="en-US"/>
               <a:pPr/>
-              <a:t>‹#›</a:t>
+              <a:t>‹Nr.›</a:t>
             </a:fld>
             <a:endParaRPr lang="en-US"/>
           </a:p>
@@ -2292,7 +2292,7 @@
             <a:fld id="{614C5746-3CE9-455D-A260-C5619E738A39}" type="slidenum">
               <a:rPr lang="en-US"/>
               <a:pPr/>
-              <a:t>‹#›</a:t>
+              <a:t>‹Nr.›</a:t>
             </a:fld>
             <a:endParaRPr lang="en-US"/>
           </a:p>
@@ -3193,7 +3193,11 @@
             </a:r>
             <a:r>
               <a:rPr lang="en-US" altLang="zh-CN" dirty="0" smtClean="0"/>
-              <a:t>Scenario: Client Request</a:t>
+              <a:t>Scenario: </a:t>
+            </a:r>
+            <a:r>
+              <a:rPr lang="en-US" altLang="zh-CN" dirty="0" smtClean="0"/>
+              <a:t>Handle Request</a:t>
             </a:r>
             <a:endParaRPr lang="de-DE" dirty="0"/>
           </a:p>
@@ -3282,7 +3286,7 @@
           <a:blip r:embed="rId2" cstate="print">
             <a:extLst>
               <a:ext uri="{28A0092B-C50C-407E-A947-70E740481C1C}">
-                <a14:useLocalDpi xmlns="" xmlns:a14="http://schemas.microsoft.com/office/drawing/2010/main" val="0"/>
+                <a14:useLocalDpi xmlns:a14="http://schemas.microsoft.com/office/drawing/2010/main" val="0"/>
               </a:ext>
             </a:extLst>
           </a:blip>
@@ -3306,14 +3310,14 @@
           <a:effectLst/>
           <a:extLst>
             <a:ext uri="{909E8E84-426E-40DD-AFC4-6F175D3DCCD1}">
-              <a14:hiddenFill xmlns="" xmlns:a14="http://schemas.microsoft.com/office/drawing/2010/main">
+              <a14:hiddenFill xmlns:a14="http://schemas.microsoft.com/office/drawing/2010/main">
                 <a:solidFill>
                   <a:schemeClr val="accent1"/>
                 </a:solidFill>
               </a14:hiddenFill>
             </a:ext>
             <a:ext uri="{91240B29-F687-4F45-9708-019B960494DF}">
-              <a14:hiddenLine xmlns="" xmlns:a14="http://schemas.microsoft.com/office/drawing/2010/main" w="9525">
+              <a14:hiddenLine xmlns:a14="http://schemas.microsoft.com/office/drawing/2010/main" w="9525">
                 <a:solidFill>
                   <a:schemeClr val="tx1"/>
                 </a:solidFill>
@@ -3323,7 +3327,7 @@
               </a14:hiddenLine>
             </a:ext>
             <a:ext uri="{AF507438-7753-43E0-B8FC-AC1667EBCBE1}">
-              <a14:hiddenEffects xmlns="" xmlns:a14="http://schemas.microsoft.com/office/drawing/2010/main">
+              <a14:hiddenEffects xmlns:a14="http://schemas.microsoft.com/office/drawing/2010/main">
                 <a:effectLst>
                   <a:outerShdw dist="35921" dir="2700000" algn="ctr" rotWithShape="0">
                     <a:schemeClr val="bg2"/>
@@ -3337,7 +3341,7 @@
     </p:spTree>
     <p:extLst>
       <p:ext uri="{BB962C8B-B14F-4D97-AF65-F5344CB8AC3E}">
-        <p14:creationId xmlns="" xmlns:p14="http://schemas.microsoft.com/office/powerpoint/2010/main" val="1907538874"/>
+        <p14:creationId xmlns:p14="http://schemas.microsoft.com/office/powerpoint/2010/main" val="1907538874"/>
       </p:ext>
     </p:extLst>
   </p:cSld>
@@ -3392,7 +3396,15 @@
             </a:r>
             <a:r>
               <a:rPr lang="en-US" altLang="zh-CN" dirty="0" smtClean="0"/>
-              <a:t>Scenario: Client Request</a:t>
+              <a:t>Scenario: </a:t>
+            </a:r>
+            <a:r>
+              <a:rPr lang="en-US" altLang="zh-CN" dirty="0" smtClean="0"/>
+              <a:t>Handle </a:t>
+            </a:r>
+            <a:r>
+              <a:rPr lang="en-US" altLang="zh-CN" dirty="0" smtClean="0"/>
+              <a:t>Request</a:t>
             </a:r>
             <a:endParaRPr lang="de-DE" dirty="0"/>
           </a:p>
@@ -3471,17 +3483,17 @@
       </p:sp>
       <p:pic>
         <p:nvPicPr>
-          <p:cNvPr id="4098" name="Picture 2"/>
+          <p:cNvPr id="1026" name="Picture 2"/>
           <p:cNvPicPr>
             <a:picLocks noChangeAspect="1" noChangeArrowheads="1"/>
           </p:cNvPicPr>
           <p:nvPr/>
         </p:nvPicPr>
         <p:blipFill>
-          <a:blip r:embed="rId2" cstate="print">
+          <a:blip r:embed="rId2">
             <a:extLst>
               <a:ext uri="{28A0092B-C50C-407E-A947-70E740481C1C}">
-                <a14:useLocalDpi xmlns="" xmlns:a14="http://schemas.microsoft.com/office/drawing/2010/main" val="0"/>
+                <a14:useLocalDpi xmlns:a14="http://schemas.microsoft.com/office/drawing/2010/main" val="0"/>
               </a:ext>
             </a:extLst>
           </a:blip>
@@ -3492,8 +3504,8 @@
         </p:blipFill>
         <p:spPr bwMode="auto">
           <a:xfrm>
-            <a:off x="1362547" y="1065211"/>
-            <a:ext cx="5730655" cy="5377581"/>
+            <a:off x="1548141" y="1201014"/>
+            <a:ext cx="5735375" cy="5442673"/>
           </a:xfrm>
           <a:prstGeom prst="rect">
             <a:avLst/>
@@ -3502,17 +3514,16 @@
           <a:ln>
             <a:noFill/>
           </a:ln>
-          <a:effectLst/>
           <a:extLst>
             <a:ext uri="{909E8E84-426E-40DD-AFC4-6F175D3DCCD1}">
-              <a14:hiddenFill xmlns="" xmlns:a14="http://schemas.microsoft.com/office/drawing/2010/main">
+              <a14:hiddenFill xmlns:a14="http://schemas.microsoft.com/office/drawing/2010/main">
                 <a:solidFill>
                   <a:schemeClr val="accent1"/>
                 </a:solidFill>
               </a14:hiddenFill>
             </a:ext>
             <a:ext uri="{91240B29-F687-4F45-9708-019B960494DF}">
-              <a14:hiddenLine xmlns="" xmlns:a14="http://schemas.microsoft.com/office/drawing/2010/main" w="9525">
+              <a14:hiddenLine xmlns:a14="http://schemas.microsoft.com/office/drawing/2010/main" w="9525">
                 <a:solidFill>
                   <a:schemeClr val="tx1"/>
                 </a:solidFill>
@@ -3521,22 +3532,13 @@
                 <a:tailEnd/>
               </a14:hiddenLine>
             </a:ext>
-            <a:ext uri="{AF507438-7753-43E0-B8FC-AC1667EBCBE1}">
-              <a14:hiddenEffects xmlns="" xmlns:a14="http://schemas.microsoft.com/office/drawing/2010/main">
-                <a:effectLst>
-                  <a:outerShdw dist="35921" dir="2700000" algn="ctr" rotWithShape="0">
-                    <a:schemeClr val="bg2"/>
-                  </a:outerShdw>
-                </a:effectLst>
-              </a14:hiddenEffects>
-            </a:ext>
           </a:extLst>
         </p:spPr>
       </p:pic>
     </p:spTree>
     <p:extLst>
       <p:ext uri="{BB962C8B-B14F-4D97-AF65-F5344CB8AC3E}">
-        <p14:creationId xmlns="" xmlns:p14="http://schemas.microsoft.com/office/powerpoint/2010/main" val="2764248952"/>
+        <p14:creationId xmlns:p14="http://schemas.microsoft.com/office/powerpoint/2010/main" val="2764248952"/>
       </p:ext>
     </p:extLst>
   </p:cSld>
@@ -3622,15 +3624,7 @@
           <a:p>
             <a:r>
               <a:rPr lang="en-GB" altLang="zh-CN" dirty="0" smtClean="0"/>
-              <a:t>Combine aforementioned technologies </a:t>
-            </a:r>
-            <a:r>
-              <a:rPr lang="en-GB" altLang="zh-CN" dirty="0" smtClean="0"/>
-              <a:t>together to </a:t>
-            </a:r>
-            <a:r>
-              <a:rPr lang="en-GB" altLang="zh-CN" dirty="0" smtClean="0"/>
-              <a:t>build a remote control infrastructure to benefit users with mobility and security services </a:t>
+              <a:t>Combine aforementioned technologies together to build a remote control infrastructure to benefit users with mobility and security services </a:t>
             </a:r>
           </a:p>
           <a:p>
@@ -3785,11 +3779,7 @@
           <a:p>
             <a:r>
               <a:rPr lang="en-US" altLang="zh-CN" dirty="0" smtClean="0"/>
-              <a:t>System security and performance </a:t>
-            </a:r>
-            <a:r>
-              <a:rPr lang="en-US" altLang="zh-CN" dirty="0" smtClean="0"/>
-              <a:t>analysis based on implementation </a:t>
+              <a:t>System security and performance analysis based on implementation </a:t>
             </a:r>
             <a:r>
               <a:rPr lang="en-US" altLang="zh-CN" dirty="0" err="1" smtClean="0"/>
@@ -3929,7 +3919,7 @@
     </p:spTree>
     <p:extLst>
       <p:ext uri="{BB962C8B-B14F-4D97-AF65-F5344CB8AC3E}">
-        <p14:creationId xmlns="" xmlns:p14="http://schemas.microsoft.com/office/powerpoint/2010/main" val="801672563"/>
+        <p14:creationId xmlns:p14="http://schemas.microsoft.com/office/powerpoint/2010/main" val="801672563"/>
       </p:ext>
     </p:extLst>
   </p:cSld>
@@ -3996,7 +3986,12 @@
             <p:ph idx="1"/>
           </p:nvPr>
         </p:nvSpPr>
-        <p:spPr/>
+        <p:spPr>
+          <a:xfrm>
+            <a:off x="457200" y="1214690"/>
+            <a:ext cx="8447314" cy="5056187"/>
+          </a:xfrm>
+        </p:spPr>
         <p:txBody>
           <a:bodyPr/>
           <a:lstStyle/>
@@ -4224,11 +4219,7 @@
             <a:pPr lvl="1"/>
             <a:r>
               <a:rPr lang="en-US" altLang="zh-CN" dirty="0" smtClean="0"/>
-              <a:t>Test </a:t>
-            </a:r>
-            <a:r>
-              <a:rPr lang="en-US" altLang="zh-CN" dirty="0" smtClean="0"/>
-              <a:t>case creation</a:t>
+              <a:t>Test case creation</a:t>
             </a:r>
           </a:p>
           <a:p>
@@ -4246,13 +4237,8 @@
             </a:r>
             <a:r>
               <a:rPr lang="en-US" altLang="zh-CN" dirty="0" smtClean="0"/>
-              <a:t> =  Java Card Applet development </a:t>
-            </a:r>
-            <a:r>
-              <a:rPr lang="en-US" altLang="zh-CN" dirty="0" smtClean="0"/>
-              <a:t>environment</a:t>
-            </a:r>
-            <a:endParaRPr lang="en-US" altLang="zh-CN" dirty="0" smtClean="0"/>
+              <a:t> =  Java Card Applet development environment</a:t>
+            </a:r>
           </a:p>
           <a:p>
             <a:pPr lvl="1"/>
@@ -4281,11 +4267,7 @@
           <a:p>
             <a:r>
               <a:rPr lang="en-US" altLang="zh-CN" dirty="0" err="1" smtClean="0"/>
-              <a:t>i</a:t>
-            </a:r>
-            <a:r>
-              <a:rPr lang="en-US" altLang="zh-CN" dirty="0" err="1" smtClean="0"/>
-              <a:t>Cardreader</a:t>
+              <a:t>iCardreader</a:t>
             </a:r>
             <a:endParaRPr lang="en-US" altLang="zh-CN" dirty="0" smtClean="0"/>
           </a:p>
@@ -4306,11 +4288,7 @@
             </a:r>
             <a:r>
               <a:rPr lang="en-US" altLang="zh-CN" smtClean="0"/>
-              <a:t>   </a:t>
-            </a:r>
-            <a:r>
-              <a:rPr lang="en-US" altLang="zh-CN" smtClean="0"/>
-              <a:t>between </a:t>
+              <a:t>   between </a:t>
             </a:r>
             <a:r>
               <a:rPr lang="en-US" altLang="zh-CN" dirty="0" smtClean="0"/>
@@ -4436,7 +4414,7 @@
           <a:blip r:embed="rId2" cstate="print">
             <a:extLst>
               <a:ext uri="{28A0092B-C50C-407E-A947-70E740481C1C}">
-                <a14:useLocalDpi xmlns="" xmlns:a14="http://schemas.microsoft.com/office/drawing/2010/main" val="0"/>
+                <a14:useLocalDpi xmlns:a14="http://schemas.microsoft.com/office/drawing/2010/main" val="0"/>
               </a:ext>
             </a:extLst>
           </a:blip>
@@ -4460,14 +4438,14 @@
           <a:effectLst/>
           <a:extLst>
             <a:ext uri="{909E8E84-426E-40DD-AFC4-6F175D3DCCD1}">
-              <a14:hiddenFill xmlns="" xmlns:a14="http://schemas.microsoft.com/office/drawing/2010/main">
+              <a14:hiddenFill xmlns:a14="http://schemas.microsoft.com/office/drawing/2010/main">
                 <a:solidFill>
                   <a:schemeClr val="accent1"/>
                 </a:solidFill>
               </a14:hiddenFill>
             </a:ext>
             <a:ext uri="{91240B29-F687-4F45-9708-019B960494DF}">
-              <a14:hiddenLine xmlns="" xmlns:a14="http://schemas.microsoft.com/office/drawing/2010/main" w="9525">
+              <a14:hiddenLine xmlns:a14="http://schemas.microsoft.com/office/drawing/2010/main" w="9525">
                 <a:solidFill>
                   <a:schemeClr val="tx1"/>
                 </a:solidFill>
@@ -4477,7 +4455,7 @@
               </a14:hiddenLine>
             </a:ext>
             <a:ext uri="{AF507438-7753-43E0-B8FC-AC1667EBCBE1}">
-              <a14:hiddenEffects xmlns="" xmlns:a14="http://schemas.microsoft.com/office/drawing/2010/main">
+              <a14:hiddenEffects xmlns:a14="http://schemas.microsoft.com/office/drawing/2010/main">
                 <a:effectLst>
                   <a:outerShdw dist="35921" dir="2700000" algn="ctr" rotWithShape="0">
                     <a:schemeClr val="bg2"/>
@@ -4491,7 +4469,7 @@
     </p:spTree>
     <p:extLst>
       <p:ext uri="{BB962C8B-B14F-4D97-AF65-F5344CB8AC3E}">
-        <p14:creationId xmlns="" xmlns:p14="http://schemas.microsoft.com/office/powerpoint/2010/main" val="393107339"/>
+        <p14:creationId xmlns:p14="http://schemas.microsoft.com/office/powerpoint/2010/main" val="393107339"/>
       </p:ext>
     </p:extLst>
   </p:cSld>
@@ -5677,11 +5655,7 @@
           <a:p>
             <a:r>
               <a:rPr lang="en-US" altLang="zh-CN" dirty="0" smtClean="0"/>
-              <a:t>Implementation </a:t>
-            </a:r>
-            <a:r>
-              <a:rPr lang="en-US" altLang="zh-CN" dirty="0" smtClean="0"/>
-              <a:t>Details</a:t>
+              <a:t>Implementation Details</a:t>
             </a:r>
           </a:p>
           <a:p>
@@ -6770,7 +6744,7 @@
           <a:blip r:embed="rId2" cstate="print">
             <a:extLst>
               <a:ext uri="{28A0092B-C50C-407E-A947-70E740481C1C}">
-                <a14:useLocalDpi xmlns="" xmlns:a14="http://schemas.microsoft.com/office/drawing/2010/main" val="0"/>
+                <a14:useLocalDpi xmlns:a14="http://schemas.microsoft.com/office/drawing/2010/main" val="0"/>
               </a:ext>
             </a:extLst>
           </a:blip>
@@ -6790,7 +6764,7 @@
           <a:noFill/>
           <a:extLst>
             <a:ext uri="{909E8E84-426E-40DD-AFC4-6F175D3DCCD1}">
-              <a14:hiddenFill xmlns="" xmlns:a14="http://schemas.microsoft.com/office/drawing/2010/main">
+              <a14:hiddenFill xmlns:a14="http://schemas.microsoft.com/office/drawing/2010/main">
                 <a:solidFill>
                   <a:srgbClr val="FFFFFF"/>
                 </a:solidFill>
@@ -7252,7 +7226,7 @@
     </p:spTree>
     <p:extLst>
       <p:ext uri="{BB962C8B-B14F-4D97-AF65-F5344CB8AC3E}">
-        <p14:creationId xmlns="" xmlns:p14="http://schemas.microsoft.com/office/powerpoint/2010/main" val="4033009092"/>
+        <p14:creationId xmlns:p14="http://schemas.microsoft.com/office/powerpoint/2010/main" val="4033009092"/>
       </p:ext>
     </p:extLst>
   </p:cSld>
@@ -7520,7 +7494,7 @@
     </p:spTree>
     <p:extLst>
       <p:ext uri="{BB962C8B-B14F-4D97-AF65-F5344CB8AC3E}">
-        <p14:creationId xmlns="" xmlns:p14="http://schemas.microsoft.com/office/powerpoint/2010/main" val="3208899163"/>
+        <p14:creationId xmlns:p14="http://schemas.microsoft.com/office/powerpoint/2010/main" val="3208899163"/>
       </p:ext>
     </p:extLst>
   </p:cSld>
@@ -7660,7 +7634,7 @@
           <a:blip r:embed="rId2" cstate="print">
             <a:extLst>
               <a:ext uri="{28A0092B-C50C-407E-A947-70E740481C1C}">
-                <a14:useLocalDpi xmlns="" xmlns:a14="http://schemas.microsoft.com/office/drawing/2010/main" val="0"/>
+                <a14:useLocalDpi xmlns:a14="http://schemas.microsoft.com/office/drawing/2010/main" val="0"/>
               </a:ext>
             </a:extLst>
           </a:blip>
@@ -7680,7 +7654,7 @@
           <a:noFill/>
           <a:extLst>
             <a:ext uri="{909E8E84-426E-40DD-AFC4-6F175D3DCCD1}">
-              <a14:hiddenFill xmlns="" xmlns:a14="http://schemas.microsoft.com/office/drawing/2010/main">
+              <a14:hiddenFill xmlns:a14="http://schemas.microsoft.com/office/drawing/2010/main">
                 <a:solidFill>
                   <a:srgbClr val="FFFFFF"/>
                 </a:solidFill>
@@ -7835,7 +7809,7 @@
     </p:spTree>
     <p:extLst>
       <p:ext uri="{BB962C8B-B14F-4D97-AF65-F5344CB8AC3E}">
-        <p14:creationId xmlns="" xmlns:p14="http://schemas.microsoft.com/office/powerpoint/2010/main" val="2869239699"/>
+        <p14:creationId xmlns:p14="http://schemas.microsoft.com/office/powerpoint/2010/main" val="2869239699"/>
       </p:ext>
     </p:extLst>
   </p:cSld>
@@ -7975,7 +7949,7 @@
           <a:blip r:embed="rId2" cstate="print">
             <a:extLst>
               <a:ext uri="{28A0092B-C50C-407E-A947-70E740481C1C}">
-                <a14:useLocalDpi xmlns="" xmlns:a14="http://schemas.microsoft.com/office/drawing/2010/main" val="0"/>
+                <a14:useLocalDpi xmlns:a14="http://schemas.microsoft.com/office/drawing/2010/main" val="0"/>
               </a:ext>
             </a:extLst>
           </a:blip>
@@ -7995,7 +7969,7 @@
           <a:noFill/>
           <a:extLst>
             <a:ext uri="{909E8E84-426E-40DD-AFC4-6F175D3DCCD1}">
-              <a14:hiddenFill xmlns="" xmlns:a14="http://schemas.microsoft.com/office/drawing/2010/main">
+              <a14:hiddenFill xmlns:a14="http://schemas.microsoft.com/office/drawing/2010/main">
                 <a:solidFill>
                   <a:srgbClr val="FFFFFF"/>
                 </a:solidFill>
@@ -8155,7 +8129,7 @@
     </p:spTree>
     <p:extLst>
       <p:ext uri="{BB962C8B-B14F-4D97-AF65-F5344CB8AC3E}">
-        <p14:creationId xmlns="" xmlns:p14="http://schemas.microsoft.com/office/powerpoint/2010/main" val="2958167277"/>
+        <p14:creationId xmlns:p14="http://schemas.microsoft.com/office/powerpoint/2010/main" val="2958167277"/>
       </p:ext>
     </p:extLst>
   </p:cSld>
@@ -8295,7 +8269,7 @@
           <a:blip r:embed="rId2" cstate="print">
             <a:extLst>
               <a:ext uri="{28A0092B-C50C-407E-A947-70E740481C1C}">
-                <a14:useLocalDpi xmlns="" xmlns:a14="http://schemas.microsoft.com/office/drawing/2010/main" val="0"/>
+                <a14:useLocalDpi xmlns:a14="http://schemas.microsoft.com/office/drawing/2010/main" val="0"/>
               </a:ext>
             </a:extLst>
           </a:blip>
@@ -8319,14 +8293,14 @@
           <a:effectLst/>
           <a:extLst>
             <a:ext uri="{909E8E84-426E-40DD-AFC4-6F175D3DCCD1}">
-              <a14:hiddenFill xmlns="" xmlns:a14="http://schemas.microsoft.com/office/drawing/2010/main">
+              <a14:hiddenFill xmlns:a14="http://schemas.microsoft.com/office/drawing/2010/main">
                 <a:solidFill>
                   <a:schemeClr val="accent1"/>
                 </a:solidFill>
               </a14:hiddenFill>
             </a:ext>
             <a:ext uri="{91240B29-F687-4F45-9708-019B960494DF}">
-              <a14:hiddenLine xmlns="" xmlns:a14="http://schemas.microsoft.com/office/drawing/2010/main" w="9525">
+              <a14:hiddenLine xmlns:a14="http://schemas.microsoft.com/office/drawing/2010/main" w="9525">
                 <a:solidFill>
                   <a:schemeClr val="tx1"/>
                 </a:solidFill>
@@ -8336,7 +8310,7 @@
               </a14:hiddenLine>
             </a:ext>
             <a:ext uri="{AF507438-7753-43E0-B8FC-AC1667EBCBE1}">
-              <a14:hiddenEffects xmlns="" xmlns:a14="http://schemas.microsoft.com/office/drawing/2010/main">
+              <a14:hiddenEffects xmlns:a14="http://schemas.microsoft.com/office/drawing/2010/main">
                 <a:effectLst>
                   <a:outerShdw dist="35921" dir="2700000" algn="ctr" rotWithShape="0">
                     <a:schemeClr val="bg2"/>
@@ -8350,7 +8324,7 @@
     </p:spTree>
     <p:extLst>
       <p:ext uri="{BB962C8B-B14F-4D97-AF65-F5344CB8AC3E}">
-        <p14:creationId xmlns="" xmlns:p14="http://schemas.microsoft.com/office/powerpoint/2010/main" val="1005707622"/>
+        <p14:creationId xmlns:p14="http://schemas.microsoft.com/office/powerpoint/2010/main" val="1005707622"/>
       </p:ext>
     </p:extLst>
   </p:cSld>

--- a/trunk/ppt/6-18/Yuankui Wang Presentation 18 06.pptx
+++ b/trunk/ppt/6-18/Yuankui Wang Presentation 18 06.pptx
@@ -3193,11 +3193,7 @@
             </a:r>
             <a:r>
               <a:rPr lang="en-US" altLang="zh-CN" dirty="0" smtClean="0"/>
-              <a:t>Scenario: </a:t>
-            </a:r>
-            <a:r>
-              <a:rPr lang="en-US" altLang="zh-CN" dirty="0" smtClean="0"/>
-              <a:t>Handle Request</a:t>
+              <a:t>Scenario: Handle Request</a:t>
             </a:r>
             <a:endParaRPr lang="de-DE" dirty="0"/>
           </a:p>
@@ -3396,15 +3392,7 @@
             </a:r>
             <a:r>
               <a:rPr lang="en-US" altLang="zh-CN" dirty="0" smtClean="0"/>
-              <a:t>Scenario: </a:t>
-            </a:r>
-            <a:r>
-              <a:rPr lang="en-US" altLang="zh-CN" dirty="0" smtClean="0"/>
-              <a:t>Handle </a:t>
-            </a:r>
-            <a:r>
-              <a:rPr lang="en-US" altLang="zh-CN" dirty="0" smtClean="0"/>
-              <a:t>Request</a:t>
+              <a:t>Scenario: Handle Request</a:t>
             </a:r>
             <a:endParaRPr lang="de-DE" dirty="0"/>
           </a:p>
@@ -7712,8 +7700,13 @@
                   <a:schemeClr val="tx1"/>
                 </a:solidFill>
               </a:rPr>
-              <a:t>Server</a:t>
-            </a:r>
+              <a:t>OPC UA Server Application (installed on sensor/control device/lock)</a:t>
+            </a:r>
+            <a:endParaRPr lang="en-US" altLang="zh-CN" sz="1800" b="0" i="0" kern="0" dirty="0" smtClean="0">
+              <a:solidFill>
+                <a:schemeClr val="tx1"/>
+              </a:solidFill>
+            </a:endParaRPr>
           </a:p>
           <a:p>
             <a:pPr marL="800100" lvl="1" indent="-342900">
@@ -8027,8 +8020,13 @@
                   <a:schemeClr val="tx1"/>
                 </a:solidFill>
               </a:rPr>
-              <a:t>Client (Cell phone user)</a:t>
-            </a:r>
+              <a:t>OPC UA Client Application (installed on Cell phone)</a:t>
+            </a:r>
+            <a:endParaRPr lang="en-US" altLang="zh-CN" sz="1800" b="0" i="0" kern="0" dirty="0" smtClean="0">
+              <a:solidFill>
+                <a:schemeClr val="tx1"/>
+              </a:solidFill>
+            </a:endParaRPr>
           </a:p>
           <a:p>
             <a:pPr marL="800100" lvl="1" indent="-342900">
@@ -8095,7 +8093,15 @@
                   <a:schemeClr val="tx1"/>
                 </a:solidFill>
               </a:rPr>
-              <a:t>Submit subscription and receive notification</a:t>
+              <a:t>Submit subscription and receive </a:t>
+            </a:r>
+            <a:r>
+              <a:rPr lang="en-US" altLang="zh-CN" sz="1800" b="0" i="0" kern="0" dirty="0" smtClean="0">
+                <a:solidFill>
+                  <a:schemeClr val="tx1"/>
+                </a:solidFill>
+              </a:rPr>
+              <a:t>corresponding notification</a:t>
             </a:r>
             <a:endParaRPr lang="en-US" altLang="zh-CN" sz="1800" b="0" i="0" kern="0" dirty="0">
               <a:solidFill>

--- a/trunk/ppt/6-18/Yuankui Wang Presentation 18 06.pptx
+++ b/trunk/ppt/6-18/Yuankui Wang Presentation 18 06.pptx
@@ -374,7 +374,7 @@
             <a:fld id="{CC3F8750-1AA1-48A5-A8C8-B89366636632}" type="slidenum">
               <a:rPr lang="de-DE" altLang="zh-CN"/>
               <a:pPr/>
-              <a:t>‹Nr.›</a:t>
+              <a:t>‹#›</a:t>
             </a:fld>
             <a:endParaRPr lang="de-DE" altLang="zh-CN"/>
           </a:p>
@@ -383,7 +383,7 @@
     </p:spTree>
     <p:extLst>
       <p:ext uri="{BB962C8B-B14F-4D97-AF65-F5344CB8AC3E}">
-        <p14:creationId xmlns:p14="http://schemas.microsoft.com/office/powerpoint/2010/main" val="3154177043"/>
+        <p14:creationId xmlns:p14="http://schemas.microsoft.com/office/powerpoint/2010/main" xmlns="" val="3154177043"/>
       </p:ext>
     </p:extLst>
   </p:cSld>
@@ -703,7 +703,7 @@
             <a:fld id="{DF6BEE96-3C94-4F18-B92D-0490DFD7A472}" type="slidenum">
               <a:rPr lang="de-DE" altLang="zh-CN"/>
               <a:pPr/>
-              <a:t>‹Nr.›</a:t>
+              <a:t>‹#›</a:t>
             </a:fld>
             <a:endParaRPr lang="de-DE" altLang="zh-CN"/>
           </a:p>
@@ -712,7 +712,7 @@
     </p:spTree>
     <p:extLst>
       <p:ext uri="{BB962C8B-B14F-4D97-AF65-F5344CB8AC3E}">
-        <p14:creationId xmlns:p14="http://schemas.microsoft.com/office/powerpoint/2010/main" val="1086099381"/>
+        <p14:creationId xmlns:p14="http://schemas.microsoft.com/office/powerpoint/2010/main" xmlns="" val="1086099381"/>
       </p:ext>
     </p:extLst>
   </p:cSld>
@@ -1080,7 +1080,7 @@
             <a:fld id="{56F1C4B0-B01D-4E3E-868E-1A3AEF893EE8}" type="slidenum">
               <a:rPr lang="en-US"/>
               <a:pPr/>
-              <a:t>‹Nr.›</a:t>
+              <a:t>‹#›</a:t>
             </a:fld>
             <a:endParaRPr lang="en-US"/>
           </a:p>
@@ -1325,7 +1325,7 @@
             <a:fld id="{71D6DBAF-C9CC-41B3-844C-C1F5D8267235}" type="datetime4">
               <a:rPr lang="en-US"/>
               <a:pPr/>
-              <a:t>June 16, 2014</a:t>
+              <a:t>June 17, 2014</a:t>
             </a:fld>
             <a:endParaRPr lang="en-US"/>
           </a:p>
@@ -1494,7 +1494,7 @@
             <a:fld id="{FAF38CBB-378C-4311-BC9A-BAB83E9729AD}" type="slidenum">
               <a:rPr lang="en-US"/>
               <a:pPr/>
-              <a:t>‹Nr.›</a:t>
+              <a:t>‹#›</a:t>
             </a:fld>
             <a:endParaRPr lang="en-US"/>
           </a:p>
@@ -1559,7 +1559,7 @@
             <a:fld id="{D9CB193C-FC74-4279-8388-9DD1BFD58DB8}" type="datetime4">
               <a:rPr lang="en-US"/>
               <a:pPr/>
-              <a:t>June 16, 2014</a:t>
+              <a:t>June 17, 2014</a:t>
             </a:fld>
             <a:endParaRPr lang="en-US"/>
           </a:p>
@@ -1942,7 +1942,7 @@
             <a:fld id="{9DF0B80C-AC1E-488D-89EA-02AEDD3013AE}" type="slidenum">
               <a:rPr lang="en-US"/>
               <a:pPr/>
-              <a:t>‹Nr.›</a:t>
+              <a:t>‹#›</a:t>
             </a:fld>
             <a:endParaRPr lang="en-US"/>
           </a:p>
@@ -2007,7 +2007,7 @@
             <a:fld id="{F9C0533E-6560-41EF-998F-4A06FB5FB3B5}" type="datetime4">
               <a:rPr lang="en-US"/>
               <a:pPr/>
-              <a:t>June 16, 2014</a:t>
+              <a:t>June 17, 2014</a:t>
             </a:fld>
             <a:endParaRPr lang="en-US"/>
           </a:p>
@@ -2292,7 +2292,7 @@
             <a:fld id="{614C5746-3CE9-455D-A260-C5619E738A39}" type="slidenum">
               <a:rPr lang="en-US"/>
               <a:pPr/>
-              <a:t>‹Nr.›</a:t>
+              <a:t>‹#›</a:t>
             </a:fld>
             <a:endParaRPr lang="en-US"/>
           </a:p>
@@ -2577,7 +2577,7 @@
             <a:fld id="{BE3ACA9F-847D-4917-9890-CF03388418A4}" type="datetime4">
               <a:rPr lang="en-US"/>
               <a:pPr/>
-              <a:t>June 16, 2014</a:t>
+              <a:t>June 17, 2014</a:t>
             </a:fld>
             <a:endParaRPr lang="en-US"/>
           </a:p>
@@ -3264,7 +3264,7 @@
             <a:fld id="{D9CB193C-FC74-4279-8388-9DD1BFD58DB8}" type="datetime4">
               <a:rPr lang="en-US" smtClean="0"/>
               <a:pPr/>
-              <a:t>June 16, 2014</a:t>
+              <a:t>June 17, 2014</a:t>
             </a:fld>
             <a:endParaRPr lang="en-US"/>
           </a:p>
@@ -3282,7 +3282,7 @@
           <a:blip r:embed="rId2" cstate="print">
             <a:extLst>
               <a:ext uri="{28A0092B-C50C-407E-A947-70E740481C1C}">
-                <a14:useLocalDpi xmlns:a14="http://schemas.microsoft.com/office/drawing/2010/main" val="0"/>
+                <a14:useLocalDpi xmlns:a14="http://schemas.microsoft.com/office/drawing/2010/main" xmlns="" val="0"/>
               </a:ext>
             </a:extLst>
           </a:blip>
@@ -3306,14 +3306,14 @@
           <a:effectLst/>
           <a:extLst>
             <a:ext uri="{909E8E84-426E-40DD-AFC4-6F175D3DCCD1}">
-              <a14:hiddenFill xmlns:a14="http://schemas.microsoft.com/office/drawing/2010/main">
+              <a14:hiddenFill xmlns:a14="http://schemas.microsoft.com/office/drawing/2010/main" xmlns="">
                 <a:solidFill>
                   <a:schemeClr val="accent1"/>
                 </a:solidFill>
               </a14:hiddenFill>
             </a:ext>
             <a:ext uri="{91240B29-F687-4F45-9708-019B960494DF}">
-              <a14:hiddenLine xmlns:a14="http://schemas.microsoft.com/office/drawing/2010/main" w="9525">
+              <a14:hiddenLine xmlns:a14="http://schemas.microsoft.com/office/drawing/2010/main" xmlns="" w="9525">
                 <a:solidFill>
                   <a:schemeClr val="tx1"/>
                 </a:solidFill>
@@ -3323,7 +3323,7 @@
               </a14:hiddenLine>
             </a:ext>
             <a:ext uri="{AF507438-7753-43E0-B8FC-AC1667EBCBE1}">
-              <a14:hiddenEffects xmlns:a14="http://schemas.microsoft.com/office/drawing/2010/main">
+              <a14:hiddenEffects xmlns:a14="http://schemas.microsoft.com/office/drawing/2010/main" xmlns="">
                 <a:effectLst>
                   <a:outerShdw dist="35921" dir="2700000" algn="ctr" rotWithShape="0">
                     <a:schemeClr val="bg2"/>
@@ -3337,7 +3337,7 @@
     </p:spTree>
     <p:extLst>
       <p:ext uri="{BB962C8B-B14F-4D97-AF65-F5344CB8AC3E}">
-        <p14:creationId xmlns:p14="http://schemas.microsoft.com/office/powerpoint/2010/main" val="1907538874"/>
+        <p14:creationId xmlns:p14="http://schemas.microsoft.com/office/powerpoint/2010/main" xmlns="" val="1907538874"/>
       </p:ext>
     </p:extLst>
   </p:cSld>
@@ -3463,7 +3463,7 @@
             <a:fld id="{D9CB193C-FC74-4279-8388-9DD1BFD58DB8}" type="datetime4">
               <a:rPr lang="en-US" smtClean="0"/>
               <a:pPr/>
-              <a:t>June 16, 2014</a:t>
+              <a:t>June 17, 2014</a:t>
             </a:fld>
             <a:endParaRPr lang="en-US"/>
           </a:p>
@@ -3478,10 +3478,10 @@
           <p:nvPr/>
         </p:nvPicPr>
         <p:blipFill>
-          <a:blip r:embed="rId2">
+          <a:blip r:embed="rId2" cstate="print">
             <a:extLst>
               <a:ext uri="{28A0092B-C50C-407E-A947-70E740481C1C}">
-                <a14:useLocalDpi xmlns:a14="http://schemas.microsoft.com/office/drawing/2010/main" val="0"/>
+                <a14:useLocalDpi xmlns:a14="http://schemas.microsoft.com/office/drawing/2010/main" xmlns="" val="0"/>
               </a:ext>
             </a:extLst>
           </a:blip>
@@ -3504,14 +3504,14 @@
           </a:ln>
           <a:extLst>
             <a:ext uri="{909E8E84-426E-40DD-AFC4-6F175D3DCCD1}">
-              <a14:hiddenFill xmlns:a14="http://schemas.microsoft.com/office/drawing/2010/main">
+              <a14:hiddenFill xmlns:a14="http://schemas.microsoft.com/office/drawing/2010/main" xmlns="">
                 <a:solidFill>
                   <a:schemeClr val="accent1"/>
                 </a:solidFill>
               </a14:hiddenFill>
             </a:ext>
             <a:ext uri="{91240B29-F687-4F45-9708-019B960494DF}">
-              <a14:hiddenLine xmlns:a14="http://schemas.microsoft.com/office/drawing/2010/main" w="9525">
+              <a14:hiddenLine xmlns:a14="http://schemas.microsoft.com/office/drawing/2010/main" xmlns="" w="9525">
                 <a:solidFill>
                   <a:schemeClr val="tx1"/>
                 </a:solidFill>
@@ -3526,7 +3526,7 @@
     </p:spTree>
     <p:extLst>
       <p:ext uri="{BB962C8B-B14F-4D97-AF65-F5344CB8AC3E}">
-        <p14:creationId xmlns:p14="http://schemas.microsoft.com/office/powerpoint/2010/main" val="2764248952"/>
+        <p14:creationId xmlns:p14="http://schemas.microsoft.com/office/powerpoint/2010/main" xmlns="" val="2764248952"/>
       </p:ext>
     </p:extLst>
   </p:cSld>
@@ -3600,7 +3600,15 @@
           <a:p>
             <a:r>
               <a:rPr lang="en-GB" altLang="zh-CN" dirty="0" smtClean="0"/>
-              <a:t>Apply recently released OPC UA standards to offer an application level secure communication interface</a:t>
+              <a:t>Apply recently released OPC UA standards to </a:t>
+            </a:r>
+            <a:r>
+              <a:rPr lang="en-GB" altLang="zh-CN" dirty="0" smtClean="0"/>
+              <a:t>build an </a:t>
+            </a:r>
+            <a:r>
+              <a:rPr lang="en-GB" altLang="zh-CN" dirty="0" smtClean="0"/>
+              <a:t>application level secure communication interface</a:t>
             </a:r>
           </a:p>
           <a:p>
@@ -3612,7 +3620,15 @@
           <a:p>
             <a:r>
               <a:rPr lang="en-GB" altLang="zh-CN" dirty="0" smtClean="0"/>
-              <a:t>Combine aforementioned technologies together to build a remote control infrastructure to benefit users with mobility and security services </a:t>
+              <a:t>Combine aforementioned technologies together to </a:t>
+            </a:r>
+            <a:r>
+              <a:rPr lang="en-GB" altLang="zh-CN" dirty="0" smtClean="0"/>
+              <a:t>construct a </a:t>
+            </a:r>
+            <a:r>
+              <a:rPr lang="en-GB" altLang="zh-CN" dirty="0" smtClean="0"/>
+              <a:t>remote control infrastructure to benefit users with mobility and security services </a:t>
             </a:r>
           </a:p>
           <a:p>
@@ -3689,7 +3705,7 @@
             <a:fld id="{D9CB193C-FC74-4279-8388-9DD1BFD58DB8}" type="datetime4">
               <a:rPr lang="en-US" smtClean="0"/>
               <a:pPr/>
-              <a:t>June 16, 2014</a:t>
+              <a:t>June 17, 2014</a:t>
             </a:fld>
             <a:endParaRPr lang="en-US" dirty="0"/>
           </a:p>
@@ -3770,8 +3786,8 @@
               <a:t>System security and performance analysis based on implementation </a:t>
             </a:r>
             <a:r>
-              <a:rPr lang="en-US" altLang="zh-CN" dirty="0" err="1" smtClean="0"/>
-              <a:t>secnario</a:t>
+              <a:rPr lang="en-US" altLang="zh-CN" dirty="0" smtClean="0"/>
+              <a:t>scenario</a:t>
             </a:r>
             <a:endParaRPr lang="en-US" altLang="zh-CN" dirty="0" smtClean="0"/>
           </a:p>
@@ -3898,7 +3914,7 @@
             <a:fld id="{D9CB193C-FC74-4279-8388-9DD1BFD58DB8}" type="datetime4">
               <a:rPr lang="en-US" smtClean="0"/>
               <a:pPr/>
-              <a:t>June 16, 2014</a:t>
+              <a:t>June 17, 2014</a:t>
             </a:fld>
             <a:endParaRPr lang="en-US"/>
           </a:p>
@@ -3907,7 +3923,7 @@
     </p:spTree>
     <p:extLst>
       <p:ext uri="{BB962C8B-B14F-4D97-AF65-F5344CB8AC3E}">
-        <p14:creationId xmlns:p14="http://schemas.microsoft.com/office/powerpoint/2010/main" val="801672563"/>
+        <p14:creationId xmlns:p14="http://schemas.microsoft.com/office/powerpoint/2010/main" xmlns="" val="801672563"/>
       </p:ext>
     </p:extLst>
   </p:cSld>
@@ -4122,7 +4138,7 @@
             <a:fld id="{D9CB193C-FC74-4279-8388-9DD1BFD58DB8}" type="datetime4">
               <a:rPr lang="en-US" smtClean="0"/>
               <a:pPr/>
-              <a:t>June 16, 2014</a:t>
+              <a:t>June 17, 2014</a:t>
             </a:fld>
             <a:endParaRPr lang="en-US"/>
           </a:p>
@@ -4384,7 +4400,7 @@
             <a:fld id="{D9CB193C-FC74-4279-8388-9DD1BFD58DB8}" type="datetime4">
               <a:rPr lang="en-US" smtClean="0"/>
               <a:pPr/>
-              <a:t>June 16, 2014</a:t>
+              <a:t>June 17, 2014</a:t>
             </a:fld>
             <a:endParaRPr lang="en-US"/>
           </a:p>
@@ -4402,7 +4418,7 @@
           <a:blip r:embed="rId2" cstate="print">
             <a:extLst>
               <a:ext uri="{28A0092B-C50C-407E-A947-70E740481C1C}">
-                <a14:useLocalDpi xmlns:a14="http://schemas.microsoft.com/office/drawing/2010/main" val="0"/>
+                <a14:useLocalDpi xmlns:a14="http://schemas.microsoft.com/office/drawing/2010/main" xmlns="" val="0"/>
               </a:ext>
             </a:extLst>
           </a:blip>
@@ -4426,14 +4442,14 @@
           <a:effectLst/>
           <a:extLst>
             <a:ext uri="{909E8E84-426E-40DD-AFC4-6F175D3DCCD1}">
-              <a14:hiddenFill xmlns:a14="http://schemas.microsoft.com/office/drawing/2010/main">
+              <a14:hiddenFill xmlns:a14="http://schemas.microsoft.com/office/drawing/2010/main" xmlns="">
                 <a:solidFill>
                   <a:schemeClr val="accent1"/>
                 </a:solidFill>
               </a14:hiddenFill>
             </a:ext>
             <a:ext uri="{91240B29-F687-4F45-9708-019B960494DF}">
-              <a14:hiddenLine xmlns:a14="http://schemas.microsoft.com/office/drawing/2010/main" w="9525">
+              <a14:hiddenLine xmlns:a14="http://schemas.microsoft.com/office/drawing/2010/main" xmlns="" w="9525">
                 <a:solidFill>
                   <a:schemeClr val="tx1"/>
                 </a:solidFill>
@@ -4443,7 +4459,7 @@
               </a14:hiddenLine>
             </a:ext>
             <a:ext uri="{AF507438-7753-43E0-B8FC-AC1667EBCBE1}">
-              <a14:hiddenEffects xmlns:a14="http://schemas.microsoft.com/office/drawing/2010/main">
+              <a14:hiddenEffects xmlns:a14="http://schemas.microsoft.com/office/drawing/2010/main" xmlns="">
                 <a:effectLst>
                   <a:outerShdw dist="35921" dir="2700000" algn="ctr" rotWithShape="0">
                     <a:schemeClr val="bg2"/>
@@ -4457,7 +4473,7 @@
     </p:spTree>
     <p:extLst>
       <p:ext uri="{BB962C8B-B14F-4D97-AF65-F5344CB8AC3E}">
-        <p14:creationId xmlns:p14="http://schemas.microsoft.com/office/powerpoint/2010/main" val="393107339"/>
+        <p14:creationId xmlns:p14="http://schemas.microsoft.com/office/powerpoint/2010/main" xmlns="" val="393107339"/>
       </p:ext>
     </p:extLst>
   </p:cSld>
@@ -4739,7 +4755,7 @@
             <a:fld id="{D9CB193C-FC74-4279-8388-9DD1BFD58DB8}" type="datetime4">
               <a:rPr lang="en-US" smtClean="0"/>
               <a:pPr/>
-              <a:t>June 16, 2014</a:t>
+              <a:t>June 17, 2014</a:t>
             </a:fld>
             <a:endParaRPr lang="en-US"/>
           </a:p>
@@ -4884,7 +4900,7 @@
             <a:fld id="{D9CB193C-FC74-4279-8388-9DD1BFD58DB8}" type="datetime4">
               <a:rPr lang="en-US" smtClean="0"/>
               <a:pPr/>
-              <a:t>June 16, 2014</a:t>
+              <a:t>June 17, 2014</a:t>
             </a:fld>
             <a:endParaRPr lang="en-US"/>
           </a:p>
@@ -5010,7 +5026,7 @@
             <a:fld id="{D9CB193C-FC74-4279-8388-9DD1BFD58DB8}" type="datetime4">
               <a:rPr lang="en-US" smtClean="0"/>
               <a:pPr/>
-              <a:t>June 16, 2014</a:t>
+              <a:t>June 17, 2014</a:t>
             </a:fld>
             <a:endParaRPr lang="en-US"/>
           </a:p>
@@ -5171,7 +5187,7 @@
             <a:fld id="{D9CB193C-FC74-4279-8388-9DD1BFD58DB8}" type="datetime4">
               <a:rPr lang="en-US" smtClean="0"/>
               <a:pPr/>
-              <a:t>June 16, 2014</a:t>
+              <a:t>June 17, 2014</a:t>
             </a:fld>
             <a:endParaRPr lang="en-US"/>
           </a:p>
@@ -5737,7 +5753,7 @@
             <a:fld id="{D9CB193C-FC74-4279-8388-9DD1BFD58DB8}" type="datetime4">
               <a:rPr lang="en-US" smtClean="0"/>
               <a:pPr/>
-              <a:t>June 16, 2014</a:t>
+              <a:t>June 17, 2014</a:t>
             </a:fld>
             <a:endParaRPr lang="en-US"/>
           </a:p>
@@ -5863,7 +5879,7 @@
             <a:fld id="{D9CB193C-FC74-4279-8388-9DD1BFD58DB8}" type="datetime4">
               <a:rPr lang="en-US" smtClean="0"/>
               <a:pPr/>
-              <a:t>June 16, 2014</a:t>
+              <a:t>June 17, 2014</a:t>
             </a:fld>
             <a:endParaRPr lang="en-US"/>
           </a:p>
@@ -6360,7 +6376,7 @@
             <a:fld id="{D9CB193C-FC74-4279-8388-9DD1BFD58DB8}" type="datetime4">
               <a:rPr lang="en-US" smtClean="0"/>
               <a:pPr/>
-              <a:t>June 16, 2014</a:t>
+              <a:t>June 17, 2014</a:t>
             </a:fld>
             <a:endParaRPr lang="en-US"/>
           </a:p>
@@ -6714,7 +6730,7 @@
             <a:fld id="{D9CB193C-FC74-4279-8388-9DD1BFD58DB8}" type="datetime4">
               <a:rPr lang="en-US" smtClean="0"/>
               <a:pPr/>
-              <a:t>June 16, 2014</a:t>
+              <a:t>June 17, 2014</a:t>
             </a:fld>
             <a:endParaRPr lang="en-US"/>
           </a:p>
@@ -6732,7 +6748,7 @@
           <a:blip r:embed="rId2" cstate="print">
             <a:extLst>
               <a:ext uri="{28A0092B-C50C-407E-A947-70E740481C1C}">
-                <a14:useLocalDpi xmlns:a14="http://schemas.microsoft.com/office/drawing/2010/main" val="0"/>
+                <a14:useLocalDpi xmlns:a14="http://schemas.microsoft.com/office/drawing/2010/main" xmlns="" val="0"/>
               </a:ext>
             </a:extLst>
           </a:blip>
@@ -6752,7 +6768,7 @@
           <a:noFill/>
           <a:extLst>
             <a:ext uri="{909E8E84-426E-40DD-AFC4-6F175D3DCCD1}">
-              <a14:hiddenFill xmlns:a14="http://schemas.microsoft.com/office/drawing/2010/main">
+              <a14:hiddenFill xmlns:a14="http://schemas.microsoft.com/office/drawing/2010/main" xmlns="">
                 <a:solidFill>
                   <a:srgbClr val="FFFFFF"/>
                 </a:solidFill>
@@ -6785,7 +6801,19 @@
           <a:p>
             <a:r>
               <a:rPr lang="en-US" dirty="0" smtClean="0"/>
-              <a:t>Smart Home = Sensors + Control Device + Digital Lock + Cell 		Phone</a:t>
+              <a:t>Smart Home = Sensors + </a:t>
+            </a:r>
+            <a:r>
+              <a:rPr lang="en-US" dirty="0" smtClean="0"/>
+              <a:t>Home Electronic Device </a:t>
+            </a:r>
+            <a:r>
+              <a:rPr lang="en-US" dirty="0" smtClean="0"/>
+              <a:t>+ Digital Lock + </a:t>
+            </a:r>
+            <a:r>
+              <a:rPr lang="en-US" dirty="0" smtClean="0"/>
+              <a:t>		Cell Phone</a:t>
             </a:r>
             <a:endParaRPr lang="de-DE" dirty="0"/>
           </a:p>
@@ -6911,7 +6939,7 @@
             <a:fld id="{D9CB193C-FC74-4279-8388-9DD1BFD58DB8}" type="datetime4">
               <a:rPr lang="en-US" smtClean="0"/>
               <a:pPr/>
-              <a:t>June 16, 2014</a:t>
+              <a:t>June 17, 2014</a:t>
             </a:fld>
             <a:endParaRPr lang="en-US"/>
           </a:p>
@@ -7011,7 +7039,7 @@
                 <a:ea typeface="+mn-ea"/>
                 <a:cs typeface="+mn-cs"/>
               </a:rPr>
-              <a:t>Common</a:t>
+              <a:t>Communication</a:t>
             </a:r>
             <a:r>
               <a:rPr kumimoji="0" lang="en-US" altLang="zh-CN" sz="2400" b="0" i="0" u="none" strike="noStrike" kern="0" cap="none" spc="0" normalizeH="0" noProof="0" dirty="0" smtClean="0">
@@ -7030,6 +7058,20 @@
               </a:rPr>
               <a:t> Interface </a:t>
             </a:r>
+            <a:endParaRPr kumimoji="0" lang="en-US" altLang="zh-CN" sz="2400" b="0" i="0" u="none" strike="noStrike" kern="0" cap="none" spc="0" normalizeH="0" noProof="0" dirty="0" smtClean="0">
+              <a:ln>
+                <a:noFill/>
+              </a:ln>
+              <a:solidFill>
+                <a:schemeClr val="tx1"/>
+              </a:solidFill>
+              <a:effectLst/>
+              <a:uLnTx/>
+              <a:uFillTx/>
+              <a:latin typeface="+mn-lt"/>
+              <a:ea typeface="+mn-ea"/>
+              <a:cs typeface="+mn-cs"/>
+            </a:endParaRPr>
           </a:p>
           <a:p>
             <a:pPr marL="800100" lvl="1" indent="-342900">
@@ -7214,7 +7256,7 @@
     </p:spTree>
     <p:extLst>
       <p:ext uri="{BB962C8B-B14F-4D97-AF65-F5344CB8AC3E}">
-        <p14:creationId xmlns:p14="http://schemas.microsoft.com/office/powerpoint/2010/main" val="4033009092"/>
+        <p14:creationId xmlns:p14="http://schemas.microsoft.com/office/powerpoint/2010/main" xmlns="" val="4033009092"/>
       </p:ext>
     </p:extLst>
   </p:cSld>
@@ -7379,7 +7421,7 @@
             <a:fld id="{D9CB193C-FC74-4279-8388-9DD1BFD58DB8}" type="datetime4">
               <a:rPr lang="en-US" smtClean="0"/>
               <a:pPr/>
-              <a:t>June 16, 2014</a:t>
+              <a:t>June 17, 2014</a:t>
             </a:fld>
             <a:endParaRPr lang="en-US"/>
           </a:p>
@@ -7482,7 +7524,7 @@
     </p:spTree>
     <p:extLst>
       <p:ext uri="{BB962C8B-B14F-4D97-AF65-F5344CB8AC3E}">
-        <p14:creationId xmlns:p14="http://schemas.microsoft.com/office/powerpoint/2010/main" val="3208899163"/>
+        <p14:creationId xmlns:p14="http://schemas.microsoft.com/office/powerpoint/2010/main" xmlns="" val="3208899163"/>
       </p:ext>
     </p:extLst>
   </p:cSld>
@@ -7604,7 +7646,7 @@
             <a:fld id="{D9CB193C-FC74-4279-8388-9DD1BFD58DB8}" type="datetime4">
               <a:rPr lang="en-US" smtClean="0"/>
               <a:pPr/>
-              <a:t>June 16, 2014</a:t>
+              <a:t>June 17, 2014</a:t>
             </a:fld>
             <a:endParaRPr lang="en-US"/>
           </a:p>
@@ -7622,7 +7664,7 @@
           <a:blip r:embed="rId2" cstate="print">
             <a:extLst>
               <a:ext uri="{28A0092B-C50C-407E-A947-70E740481C1C}">
-                <a14:useLocalDpi xmlns:a14="http://schemas.microsoft.com/office/drawing/2010/main" val="0"/>
+                <a14:useLocalDpi xmlns:a14="http://schemas.microsoft.com/office/drawing/2010/main" xmlns="" val="0"/>
               </a:ext>
             </a:extLst>
           </a:blip>
@@ -7642,7 +7684,7 @@
           <a:noFill/>
           <a:extLst>
             <a:ext uri="{909E8E84-426E-40DD-AFC4-6F175D3DCCD1}">
-              <a14:hiddenFill xmlns:a14="http://schemas.microsoft.com/office/drawing/2010/main">
+              <a14:hiddenFill xmlns:a14="http://schemas.microsoft.com/office/drawing/2010/main" xmlns="">
                 <a:solidFill>
                   <a:srgbClr val="FFFFFF"/>
                 </a:solidFill>
@@ -7700,13 +7742,24 @@
                   <a:schemeClr val="tx1"/>
                 </a:solidFill>
               </a:rPr>
-              <a:t>OPC UA Server Application (installed on sensor/control device/lock)</a:t>
-            </a:r>
-            <a:endParaRPr lang="en-US" altLang="zh-CN" sz="1800" b="0" i="0" kern="0" dirty="0" smtClean="0">
-              <a:solidFill>
-                <a:schemeClr val="tx1"/>
-              </a:solidFill>
-            </a:endParaRPr>
+              <a:t>OPC UA Server Application (installed on </a:t>
+            </a:r>
+            <a:r>
+              <a:rPr lang="en-US" altLang="zh-CN" sz="1800" b="0" i="0" kern="0" dirty="0" smtClean="0">
+                <a:solidFill>
+                  <a:schemeClr val="tx1"/>
+                </a:solidFill>
+              </a:rPr>
+              <a:t>sensor/home electronic device/lock</a:t>
+            </a:r>
+            <a:r>
+              <a:rPr lang="en-US" altLang="zh-CN" sz="1800" b="0" i="0" kern="0" dirty="0" smtClean="0">
+                <a:solidFill>
+                  <a:schemeClr val="tx1"/>
+                </a:solidFill>
+              </a:rPr>
+              <a:t>)</a:t>
+            </a:r>
           </a:p>
           <a:p>
             <a:pPr marL="800100" lvl="1" indent="-342900">
@@ -7802,7 +7855,7 @@
     </p:spTree>
     <p:extLst>
       <p:ext uri="{BB962C8B-B14F-4D97-AF65-F5344CB8AC3E}">
-        <p14:creationId xmlns:p14="http://schemas.microsoft.com/office/powerpoint/2010/main" val="2869239699"/>
+        <p14:creationId xmlns:p14="http://schemas.microsoft.com/office/powerpoint/2010/main" xmlns="" val="2869239699"/>
       </p:ext>
     </p:extLst>
   </p:cSld>
@@ -7924,7 +7977,7 @@
             <a:fld id="{D9CB193C-FC74-4279-8388-9DD1BFD58DB8}" type="datetime4">
               <a:rPr lang="en-US" smtClean="0"/>
               <a:pPr/>
-              <a:t>June 16, 2014</a:t>
+              <a:t>June 17, 2014</a:t>
             </a:fld>
             <a:endParaRPr lang="en-US"/>
           </a:p>
@@ -7942,7 +7995,7 @@
           <a:blip r:embed="rId2" cstate="print">
             <a:extLst>
               <a:ext uri="{28A0092B-C50C-407E-A947-70E740481C1C}">
-                <a14:useLocalDpi xmlns:a14="http://schemas.microsoft.com/office/drawing/2010/main" val="0"/>
+                <a14:useLocalDpi xmlns:a14="http://schemas.microsoft.com/office/drawing/2010/main" xmlns="" val="0"/>
               </a:ext>
             </a:extLst>
           </a:blip>
@@ -7962,7 +8015,7 @@
           <a:noFill/>
           <a:extLst>
             <a:ext uri="{909E8E84-426E-40DD-AFC4-6F175D3DCCD1}">
-              <a14:hiddenFill xmlns:a14="http://schemas.microsoft.com/office/drawing/2010/main">
+              <a14:hiddenFill xmlns:a14="http://schemas.microsoft.com/office/drawing/2010/main" xmlns="">
                 <a:solidFill>
                   <a:srgbClr val="FFFFFF"/>
                 </a:solidFill>
@@ -8022,11 +8075,6 @@
               </a:rPr>
               <a:t>OPC UA Client Application (installed on Cell phone)</a:t>
             </a:r>
-            <a:endParaRPr lang="en-US" altLang="zh-CN" sz="1800" b="0" i="0" kern="0" dirty="0" smtClean="0">
-              <a:solidFill>
-                <a:schemeClr val="tx1"/>
-              </a:solidFill>
-            </a:endParaRPr>
           </a:p>
           <a:p>
             <a:pPr marL="800100" lvl="1" indent="-342900">
@@ -8093,15 +8141,7 @@
                   <a:schemeClr val="tx1"/>
                 </a:solidFill>
               </a:rPr>
-              <a:t>Submit subscription and receive </a:t>
-            </a:r>
-            <a:r>
-              <a:rPr lang="en-US" altLang="zh-CN" sz="1800" b="0" i="0" kern="0" dirty="0" smtClean="0">
-                <a:solidFill>
-                  <a:schemeClr val="tx1"/>
-                </a:solidFill>
-              </a:rPr>
-              <a:t>corresponding notification</a:t>
+              <a:t>Submit subscription and receive corresponding notification</a:t>
             </a:r>
             <a:endParaRPr lang="en-US" altLang="zh-CN" sz="1800" b="0" i="0" kern="0" dirty="0">
               <a:solidFill>
@@ -8135,7 +8175,7 @@
     </p:spTree>
     <p:extLst>
       <p:ext uri="{BB962C8B-B14F-4D97-AF65-F5344CB8AC3E}">
-        <p14:creationId xmlns:p14="http://schemas.microsoft.com/office/powerpoint/2010/main" val="2958167277"/>
+        <p14:creationId xmlns:p14="http://schemas.microsoft.com/office/powerpoint/2010/main" xmlns="" val="2958167277"/>
       </p:ext>
     </p:extLst>
   </p:cSld>
@@ -8257,7 +8297,7 @@
             <a:fld id="{D9CB193C-FC74-4279-8388-9DD1BFD58DB8}" type="datetime4">
               <a:rPr lang="en-US" smtClean="0"/>
               <a:pPr/>
-              <a:t>June 16, 2014</a:t>
+              <a:t>June 17, 2014</a:t>
             </a:fld>
             <a:endParaRPr lang="en-US"/>
           </a:p>
@@ -8275,7 +8315,7 @@
           <a:blip r:embed="rId2" cstate="print">
             <a:extLst>
               <a:ext uri="{28A0092B-C50C-407E-A947-70E740481C1C}">
-                <a14:useLocalDpi xmlns:a14="http://schemas.microsoft.com/office/drawing/2010/main" val="0"/>
+                <a14:useLocalDpi xmlns:a14="http://schemas.microsoft.com/office/drawing/2010/main" xmlns="" val="0"/>
               </a:ext>
             </a:extLst>
           </a:blip>
@@ -8299,14 +8339,14 @@
           <a:effectLst/>
           <a:extLst>
             <a:ext uri="{909E8E84-426E-40DD-AFC4-6F175D3DCCD1}">
-              <a14:hiddenFill xmlns:a14="http://schemas.microsoft.com/office/drawing/2010/main">
+              <a14:hiddenFill xmlns:a14="http://schemas.microsoft.com/office/drawing/2010/main" xmlns="">
                 <a:solidFill>
                   <a:schemeClr val="accent1"/>
                 </a:solidFill>
               </a14:hiddenFill>
             </a:ext>
             <a:ext uri="{91240B29-F687-4F45-9708-019B960494DF}">
-              <a14:hiddenLine xmlns:a14="http://schemas.microsoft.com/office/drawing/2010/main" w="9525">
+              <a14:hiddenLine xmlns:a14="http://schemas.microsoft.com/office/drawing/2010/main" xmlns="" w="9525">
                 <a:solidFill>
                   <a:schemeClr val="tx1"/>
                 </a:solidFill>
@@ -8316,7 +8356,7 @@
               </a14:hiddenLine>
             </a:ext>
             <a:ext uri="{AF507438-7753-43E0-B8FC-AC1667EBCBE1}">
-              <a14:hiddenEffects xmlns:a14="http://schemas.microsoft.com/office/drawing/2010/main">
+              <a14:hiddenEffects xmlns:a14="http://schemas.microsoft.com/office/drawing/2010/main" xmlns="">
                 <a:effectLst>
                   <a:outerShdw dist="35921" dir="2700000" algn="ctr" rotWithShape="0">
                     <a:schemeClr val="bg2"/>
@@ -8330,7 +8370,7 @@
     </p:spTree>
     <p:extLst>
       <p:ext uri="{BB962C8B-B14F-4D97-AF65-F5344CB8AC3E}">
-        <p14:creationId xmlns:p14="http://schemas.microsoft.com/office/powerpoint/2010/main" val="1005707622"/>
+        <p14:creationId xmlns:p14="http://schemas.microsoft.com/office/powerpoint/2010/main" xmlns="" val="1005707622"/>
       </p:ext>
     </p:extLst>
   </p:cSld>
